--- a/praesentation/Softwarearchitekturen.pptx
+++ b/praesentation/Softwarearchitekturen.pptx
@@ -11,15 +11,15 @@
     <p:sldId id="256" r:id="rId2"/>
     <p:sldId id="258" r:id="rId3"/>
     <p:sldId id="264" r:id="rId4"/>
-    <p:sldId id="259" r:id="rId5"/>
-    <p:sldId id="265" r:id="rId6"/>
+    <p:sldId id="265" r:id="rId5"/>
+    <p:sldId id="259" r:id="rId6"/>
     <p:sldId id="260" r:id="rId7"/>
     <p:sldId id="266" r:id="rId8"/>
     <p:sldId id="257" r:id="rId9"/>
     <p:sldId id="262" r:id="rId10"/>
-    <p:sldId id="269" r:id="rId11"/>
-    <p:sldId id="268" r:id="rId12"/>
-    <p:sldId id="267" r:id="rId13"/>
+    <p:sldId id="267" r:id="rId11"/>
+    <p:sldId id="272" r:id="rId12"/>
+    <p:sldId id="271" r:id="rId13"/>
     <p:sldId id="263" r:id="rId14"/>
     <p:sldId id="270" r:id="rId15"/>
     <p:sldId id="261" r:id="rId16"/>
@@ -121,6 +121,11 @@
       </a:defRPr>
     </a:lvl9pPr>
   </p:defaultTextStyle>
+  <p:extLst>
+    <p:ext uri="{EFAFB233-063F-42B5-8137-9DF3F51BA10A}">
+      <p15:sldGuideLst xmlns:p15="http://schemas.microsoft.com/office/powerpoint/2012/main"/>
+    </p:ext>
+  </p:extLst>
 </p:presentation>
 </file>
 
@@ -206,7 +211,7 @@
           <a:p>
             <a:fld id="{4D87DE1D-F772-443F-B367-6A6E7024C0D4}" type="datetimeFigureOut">
               <a:rPr lang="de-DE" smtClean="0"/>
-              <a:t>24.06.2014</a:t>
+              <a:t>25.06.2014</a:t>
             </a:fld>
             <a:endParaRPr lang="de-DE"/>
           </a:p>
@@ -520,13 +525,26 @@
           <a:p>
             <a:r>
               <a:rPr lang="de-DE" dirty="0" smtClean="0"/>
-              <a:t>Martin:  1,2,3</a:t>
-            </a:r>
-          </a:p>
-          <a:p>
+              <a:t>Martin:  </a:t>
+            </a:r>
             <a:r>
               <a:rPr lang="de-DE" dirty="0" smtClean="0"/>
-              <a:t>Patrick</a:t>
+              <a:t>1</a:t>
+            </a:r>
+            <a:r>
+              <a:rPr lang="de-DE" baseline="0" dirty="0" smtClean="0"/>
+              <a:t> – 4  9 - 12</a:t>
+            </a:r>
+            <a:endParaRPr lang="de-DE" dirty="0" smtClean="0"/>
+          </a:p>
+          <a:p>
+            <a:r>
+              <a:rPr lang="de-DE" dirty="0" smtClean="0"/>
+              <a:t>Patrick   5 – 8 13 -</a:t>
+            </a:r>
+            <a:r>
+              <a:rPr lang="de-DE" baseline="0" dirty="0" smtClean="0"/>
+              <a:t> Ende</a:t>
             </a:r>
             <a:endParaRPr lang="de-DE" dirty="0"/>
           </a:p>
@@ -569,6 +587,1028 @@
 </file>
 
 <file path=ppt/notesSlides/notesSlide2.xml><?xml version="1.0" encoding="utf-8"?>
+<p:notes xmlns:a="http://schemas.openxmlformats.org/drawingml/2006/main" xmlns:r="http://schemas.openxmlformats.org/officeDocument/2006/relationships" xmlns:p="http://schemas.openxmlformats.org/presentationml/2006/main">
+  <p:cSld>
+    <p:spTree>
+      <p:nvGrpSpPr>
+        <p:cNvPr id="1" name=""/>
+        <p:cNvGrpSpPr/>
+        <p:nvPr/>
+      </p:nvGrpSpPr>
+      <p:grpSpPr>
+        <a:xfrm>
+          <a:off x="0" y="0"/>
+          <a:ext cx="0" cy="0"/>
+          <a:chOff x="0" y="0"/>
+          <a:chExt cx="0" cy="0"/>
+        </a:xfrm>
+      </p:grpSpPr>
+      <p:sp>
+        <p:nvSpPr>
+          <p:cNvPr id="2" name="Folienbildplatzhalter 1"/>
+          <p:cNvSpPr>
+            <a:spLocks noGrp="1" noRot="1" noChangeAspect="1"/>
+          </p:cNvSpPr>
+          <p:nvPr>
+            <p:ph type="sldImg"/>
+          </p:nvPr>
+        </p:nvSpPr>
+        <p:spPr/>
+      </p:sp>
+      <p:sp>
+        <p:nvSpPr>
+          <p:cNvPr id="3" name="Notizenplatzhalter 2"/>
+          <p:cNvSpPr>
+            <a:spLocks noGrp="1"/>
+          </p:cNvSpPr>
+          <p:nvPr>
+            <p:ph type="body" idx="1"/>
+          </p:nvPr>
+        </p:nvSpPr>
+        <p:spPr/>
+        <p:txBody>
+          <a:bodyPr/>
+          <a:lstStyle/>
+          <a:p>
+            <a:r>
+              <a:rPr lang="de-DE" dirty="0" smtClean="0"/>
+              <a:t>Wie</a:t>
+            </a:r>
+            <a:r>
+              <a:rPr lang="de-DE" baseline="0" dirty="0" smtClean="0"/>
+              <a:t> Vorgängerprogramm 3 Schichten  (Play als GUI,  Core als Backend)  Websocket</a:t>
+            </a:r>
+          </a:p>
+          <a:p>
+            <a:endParaRPr lang="de-DE" baseline="0" dirty="0" smtClean="0"/>
+          </a:p>
+          <a:p>
+            <a:r>
+              <a:rPr lang="de-DE" baseline="0" dirty="0" smtClean="0"/>
+              <a:t>Zusätzlich  </a:t>
+            </a:r>
+            <a:r>
+              <a:rPr lang="de-DE" baseline="0" dirty="0" err="1" smtClean="0"/>
+              <a:t>Persistenceschicht</a:t>
+            </a:r>
+            <a:r>
+              <a:rPr lang="de-DE" baseline="0" dirty="0" smtClean="0"/>
+              <a:t> mit </a:t>
+            </a:r>
+            <a:r>
+              <a:rPr lang="de-DE" baseline="0" dirty="0" err="1" smtClean="0"/>
+              <a:t>Datenbenken</a:t>
+            </a:r>
+            <a:r>
+              <a:rPr lang="de-DE" baseline="0" dirty="0" smtClean="0"/>
+              <a:t> und Webservice</a:t>
+            </a:r>
+          </a:p>
+          <a:p>
+            <a:endParaRPr lang="de-DE" baseline="0" dirty="0" smtClean="0"/>
+          </a:p>
+          <a:p>
+            <a:r>
+              <a:rPr lang="de-DE" baseline="0" dirty="0" smtClean="0"/>
+              <a:t>Multiuserfähig:</a:t>
+            </a:r>
+          </a:p>
+          <a:p>
+            <a:r>
+              <a:rPr lang="de-DE" baseline="0" dirty="0" smtClean="0"/>
+              <a:t>  1. Play Controller</a:t>
+            </a:r>
+          </a:p>
+          <a:p>
+            <a:r>
+              <a:rPr lang="de-DE" baseline="0" dirty="0" smtClean="0"/>
+              <a:t>  2. Pro User ein Websocket</a:t>
+            </a:r>
+          </a:p>
+          <a:p>
+            <a:r>
+              <a:rPr lang="de-DE" baseline="0" dirty="0" smtClean="0"/>
+              <a:t>  3. Pro User ein Game Controller</a:t>
+            </a:r>
+          </a:p>
+          <a:p>
+            <a:endParaRPr lang="de-DE" baseline="0" dirty="0" smtClean="0"/>
+          </a:p>
+          <a:p>
+            <a:r>
+              <a:rPr lang="de-DE" baseline="0" dirty="0" smtClean="0"/>
+              <a:t>Play Controller hält </a:t>
+            </a:r>
+            <a:r>
+              <a:rPr lang="de-DE" baseline="0" dirty="0" err="1" smtClean="0"/>
+              <a:t>Referencen</a:t>
+            </a:r>
+            <a:r>
+              <a:rPr lang="de-DE" baseline="0" dirty="0" smtClean="0"/>
+              <a:t> auf </a:t>
+            </a:r>
+            <a:r>
+              <a:rPr lang="de-DE" baseline="0" dirty="0" err="1" smtClean="0"/>
+              <a:t>Websockets</a:t>
+            </a:r>
+            <a:r>
+              <a:rPr lang="de-DE" baseline="0" dirty="0" smtClean="0"/>
+              <a:t> und Game Controller</a:t>
+            </a:r>
+          </a:p>
+          <a:p>
+            <a:endParaRPr lang="de-DE" baseline="0" dirty="0" smtClean="0"/>
+          </a:p>
+        </p:txBody>
+      </p:sp>
+      <p:sp>
+        <p:nvSpPr>
+          <p:cNvPr id="4" name="Foliennummernplatzhalter 3"/>
+          <p:cNvSpPr>
+            <a:spLocks noGrp="1"/>
+          </p:cNvSpPr>
+          <p:nvPr>
+            <p:ph type="sldNum" sz="quarter" idx="10"/>
+          </p:nvPr>
+        </p:nvSpPr>
+        <p:spPr/>
+        <p:txBody>
+          <a:bodyPr/>
+          <a:lstStyle/>
+          <a:p>
+            <a:fld id="{808A6D52-1013-494D-9260-255BEBAEE1F7}" type="slidenum">
+              <a:rPr lang="de-DE" smtClean="0"/>
+              <a:t>3</a:t>
+            </a:fld>
+            <a:endParaRPr lang="de-DE"/>
+          </a:p>
+        </p:txBody>
+      </p:sp>
+    </p:spTree>
+    <p:extLst>
+      <p:ext uri="{BB962C8B-B14F-4D97-AF65-F5344CB8AC3E}">
+        <p14:creationId xmlns:p14="http://schemas.microsoft.com/office/powerpoint/2010/main" val="1058452051"/>
+      </p:ext>
+    </p:extLst>
+  </p:cSld>
+  <p:clrMapOvr>
+    <a:masterClrMapping/>
+  </p:clrMapOvr>
+</p:notes>
+</file>
+
+<file path=ppt/notesSlides/notesSlide3.xml><?xml version="1.0" encoding="utf-8"?>
+<p:notes xmlns:a="http://schemas.openxmlformats.org/drawingml/2006/main" xmlns:r="http://schemas.openxmlformats.org/officeDocument/2006/relationships" xmlns:p="http://schemas.openxmlformats.org/presentationml/2006/main">
+  <p:cSld>
+    <p:spTree>
+      <p:nvGrpSpPr>
+        <p:cNvPr id="1" name=""/>
+        <p:cNvGrpSpPr/>
+        <p:nvPr/>
+      </p:nvGrpSpPr>
+      <p:grpSpPr>
+        <a:xfrm>
+          <a:off x="0" y="0"/>
+          <a:ext cx="0" cy="0"/>
+          <a:chOff x="0" y="0"/>
+          <a:chExt cx="0" cy="0"/>
+        </a:xfrm>
+      </p:grpSpPr>
+      <p:sp>
+        <p:nvSpPr>
+          <p:cNvPr id="2" name="Folienbildplatzhalter 1"/>
+          <p:cNvSpPr>
+            <a:spLocks noGrp="1" noRot="1" noChangeAspect="1"/>
+          </p:cNvSpPr>
+          <p:nvPr>
+            <p:ph type="sldImg"/>
+          </p:nvPr>
+        </p:nvSpPr>
+        <p:spPr/>
+      </p:sp>
+      <p:sp>
+        <p:nvSpPr>
+          <p:cNvPr id="3" name="Notizenplatzhalter 2"/>
+          <p:cNvSpPr>
+            <a:spLocks noGrp="1"/>
+          </p:cNvSpPr>
+          <p:nvPr>
+            <p:ph type="body" idx="1"/>
+          </p:nvPr>
+        </p:nvSpPr>
+        <p:spPr/>
+        <p:txBody>
+          <a:bodyPr/>
+          <a:lstStyle/>
+          <a:p>
+            <a:pPr marL="228600" indent="-228600">
+              <a:buAutoNum type="arabicPeriod"/>
+            </a:pPr>
+            <a:r>
+              <a:rPr lang="de-DE" dirty="0" smtClean="0"/>
+              <a:t>„</a:t>
+            </a:r>
+            <a:r>
+              <a:rPr lang="de-DE" dirty="0" err="1" smtClean="0"/>
+              <a:t>Plugin</a:t>
+            </a:r>
+            <a:r>
+              <a:rPr lang="de-DE" dirty="0" smtClean="0"/>
+              <a:t>“</a:t>
+            </a:r>
+          </a:p>
+          <a:p>
+            <a:pPr marL="0" indent="0">
+              <a:buNone/>
+            </a:pPr>
+            <a:endParaRPr lang="de-DE" dirty="0" smtClean="0"/>
+          </a:p>
+          <a:p>
+            <a:pPr marL="0" indent="0">
+              <a:buNone/>
+            </a:pPr>
+            <a:r>
+              <a:rPr lang="de-DE" dirty="0" smtClean="0"/>
+              <a:t>kein richtiges </a:t>
+            </a:r>
+            <a:r>
+              <a:rPr lang="de-DE" dirty="0" err="1" smtClean="0"/>
+              <a:t>Plugin</a:t>
+            </a:r>
+            <a:r>
+              <a:rPr lang="de-DE" dirty="0" smtClean="0"/>
+              <a:t> mit </a:t>
+            </a:r>
+            <a:r>
+              <a:rPr lang="de-DE" dirty="0" err="1" smtClean="0"/>
+              <a:t>Multibinding</a:t>
+            </a:r>
+            <a:r>
+              <a:rPr lang="de-DE" dirty="0" smtClean="0"/>
+              <a:t> sondern kann </a:t>
+            </a:r>
+            <a:r>
+              <a:rPr lang="de-DE" b="1" dirty="0" smtClean="0"/>
+              <a:t>nachträglich</a:t>
+            </a:r>
+            <a:r>
+              <a:rPr lang="de-DE" baseline="0" dirty="0" smtClean="0"/>
+              <a:t> erweitert werden.</a:t>
+            </a:r>
+            <a:endParaRPr lang="de-DE" dirty="0" smtClean="0"/>
+          </a:p>
+          <a:p>
+            <a:pPr marL="0" indent="0">
+              <a:buNone/>
+            </a:pPr>
+            <a:endParaRPr lang="de-DE" dirty="0" smtClean="0"/>
+          </a:p>
+          <a:p>
+            <a:pPr marL="0" indent="0">
+              <a:buNone/>
+            </a:pPr>
+            <a:r>
+              <a:rPr lang="de-DE" baseline="0" dirty="0" smtClean="0"/>
+              <a:t>Spielstein mit Interface und 3 Implementierungen wobei </a:t>
+            </a:r>
+            <a:r>
+              <a:rPr lang="de-DE" baseline="0" dirty="0" err="1" smtClean="0"/>
+              <a:t>VisibleBrick</a:t>
+            </a:r>
+            <a:endParaRPr lang="de-DE" baseline="0" dirty="0" smtClean="0"/>
+          </a:p>
+          <a:p>
+            <a:pPr marL="0" indent="0">
+              <a:buNone/>
+            </a:pPr>
+            <a:endParaRPr lang="de-DE" baseline="0" dirty="0" smtClean="0"/>
+          </a:p>
+          <a:p>
+            <a:pPr marL="0" indent="0">
+              <a:buNone/>
+            </a:pPr>
+            <a:r>
+              <a:rPr lang="de-DE" baseline="0" dirty="0" smtClean="0"/>
+              <a:t>Im Level Name der Klasse eingetragen plus die Parameter für den Stein</a:t>
+            </a:r>
+          </a:p>
+          <a:p>
+            <a:pPr marL="0" indent="0">
+              <a:buNone/>
+            </a:pPr>
+            <a:endParaRPr lang="de-DE" baseline="0" dirty="0" smtClean="0"/>
+          </a:p>
+          <a:p>
+            <a:pPr marL="0" indent="0">
+              <a:buFontTx/>
+              <a:buNone/>
+            </a:pPr>
+            <a:r>
+              <a:rPr lang="de-DE" baseline="0" dirty="0" smtClean="0"/>
+              <a:t>-&gt; Keine Codeanpassung nötig</a:t>
+            </a:r>
+          </a:p>
+        </p:txBody>
+      </p:sp>
+      <p:sp>
+        <p:nvSpPr>
+          <p:cNvPr id="4" name="Foliennummernplatzhalter 3"/>
+          <p:cNvSpPr>
+            <a:spLocks noGrp="1"/>
+          </p:cNvSpPr>
+          <p:nvPr>
+            <p:ph type="sldNum" sz="quarter" idx="10"/>
+          </p:nvPr>
+        </p:nvSpPr>
+        <p:spPr/>
+        <p:txBody>
+          <a:bodyPr/>
+          <a:lstStyle/>
+          <a:p>
+            <a:fld id="{808A6D52-1013-494D-9260-255BEBAEE1F7}" type="slidenum">
+              <a:rPr lang="de-DE" smtClean="0"/>
+              <a:t>4</a:t>
+            </a:fld>
+            <a:endParaRPr lang="de-DE"/>
+          </a:p>
+        </p:txBody>
+      </p:sp>
+    </p:spTree>
+    <p:extLst>
+      <p:ext uri="{BB962C8B-B14F-4D97-AF65-F5344CB8AC3E}">
+        <p14:creationId xmlns:p14="http://schemas.microsoft.com/office/powerpoint/2010/main" val="27513638"/>
+      </p:ext>
+    </p:extLst>
+  </p:cSld>
+  <p:clrMapOvr>
+    <a:masterClrMapping/>
+  </p:clrMapOvr>
+</p:notes>
+</file>
+
+<file path=ppt/notesSlides/notesSlide4.xml><?xml version="1.0" encoding="utf-8"?>
+<p:notes xmlns:a="http://schemas.openxmlformats.org/drawingml/2006/main" xmlns:r="http://schemas.openxmlformats.org/officeDocument/2006/relationships" xmlns:p="http://schemas.openxmlformats.org/presentationml/2006/main">
+  <p:cSld>
+    <p:spTree>
+      <p:nvGrpSpPr>
+        <p:cNvPr id="1" name=""/>
+        <p:cNvGrpSpPr/>
+        <p:nvPr/>
+      </p:nvGrpSpPr>
+      <p:grpSpPr>
+        <a:xfrm>
+          <a:off x="0" y="0"/>
+          <a:ext cx="0" cy="0"/>
+          <a:chOff x="0" y="0"/>
+          <a:chExt cx="0" cy="0"/>
+        </a:xfrm>
+      </p:grpSpPr>
+      <p:sp>
+        <p:nvSpPr>
+          <p:cNvPr id="2" name="Folienbildplatzhalter 1"/>
+          <p:cNvSpPr>
+            <a:spLocks noGrp="1" noRot="1" noChangeAspect="1"/>
+          </p:cNvSpPr>
+          <p:nvPr>
+            <p:ph type="sldImg"/>
+          </p:nvPr>
+        </p:nvSpPr>
+        <p:spPr/>
+      </p:sp>
+      <p:sp>
+        <p:nvSpPr>
+          <p:cNvPr id="3" name="Notizenplatzhalter 2"/>
+          <p:cNvSpPr>
+            <a:spLocks noGrp="1"/>
+          </p:cNvSpPr>
+          <p:nvPr>
+            <p:ph type="body" idx="1"/>
+          </p:nvPr>
+        </p:nvSpPr>
+        <p:spPr/>
+        <p:txBody>
+          <a:bodyPr/>
+          <a:lstStyle/>
+          <a:p>
+            <a:r>
+              <a:rPr lang="de-DE" dirty="0" smtClean="0"/>
+              <a:t>Registrieren</a:t>
+            </a:r>
+            <a:r>
+              <a:rPr lang="de-DE" baseline="0" dirty="0" smtClean="0"/>
+              <a:t> des Users mit Visual VM</a:t>
+            </a:r>
+          </a:p>
+          <a:p>
+            <a:pPr marL="171450" indent="-171450">
+              <a:buFontTx/>
+              <a:buChar char="-"/>
+            </a:pPr>
+            <a:r>
+              <a:rPr lang="de-DE" baseline="0" dirty="0" err="1" smtClean="0"/>
+              <a:t>CouchDB</a:t>
+            </a:r>
+            <a:endParaRPr lang="de-DE" baseline="0" dirty="0" smtClean="0"/>
+          </a:p>
+          <a:p>
+            <a:pPr marL="457200" lvl="1" indent="0">
+              <a:buFontTx/>
+              <a:buNone/>
+            </a:pPr>
+            <a:r>
+              <a:rPr lang="de-DE" baseline="0" dirty="0" smtClean="0"/>
+              <a:t>150 </a:t>
+            </a:r>
+            <a:r>
+              <a:rPr lang="de-DE" baseline="0" dirty="0" err="1" smtClean="0"/>
+              <a:t>ms</a:t>
+            </a:r>
+            <a:endParaRPr lang="de-DE" baseline="0" dirty="0" smtClean="0"/>
+          </a:p>
+          <a:p>
+            <a:pPr marL="171450" indent="-171450">
+              <a:buFontTx/>
+              <a:buChar char="-"/>
+            </a:pPr>
+            <a:r>
+              <a:rPr lang="de-DE" baseline="0" dirty="0" err="1" smtClean="0"/>
+              <a:t>Hibernate</a:t>
+            </a:r>
+            <a:endParaRPr lang="de-DE" baseline="0" dirty="0" smtClean="0"/>
+          </a:p>
+          <a:p>
+            <a:pPr marL="457200" lvl="1" indent="0">
+              <a:buFontTx/>
+              <a:buNone/>
+            </a:pPr>
+            <a:endParaRPr lang="de-DE" baseline="0" dirty="0" smtClean="0"/>
+          </a:p>
+          <a:p>
+            <a:pPr marL="171450" indent="-171450">
+              <a:buFontTx/>
+              <a:buChar char="-"/>
+            </a:pPr>
+            <a:r>
+              <a:rPr lang="de-DE" baseline="0" dirty="0" smtClean="0"/>
+              <a:t>DB4O</a:t>
+            </a:r>
+          </a:p>
+          <a:p>
+            <a:pPr marL="457200" lvl="1" indent="0">
+              <a:buFontTx/>
+              <a:buNone/>
+            </a:pPr>
+            <a:r>
+              <a:rPr lang="de-DE" dirty="0" smtClean="0"/>
+              <a:t>100 </a:t>
+            </a:r>
+            <a:r>
+              <a:rPr lang="de-DE" dirty="0" err="1" smtClean="0"/>
+              <a:t>ms</a:t>
+            </a:r>
+            <a:endParaRPr lang="de-DE" dirty="0" smtClean="0"/>
+          </a:p>
+          <a:p>
+            <a:pPr marL="0" indent="0">
+              <a:buFontTx/>
+              <a:buNone/>
+            </a:pPr>
+            <a:r>
+              <a:rPr lang="de-DE" dirty="0" smtClean="0"/>
+              <a:t>Schnellste DB40</a:t>
+            </a:r>
+            <a:r>
+              <a:rPr lang="de-DE" baseline="0" dirty="0" smtClean="0"/>
+              <a:t>  -&gt; </a:t>
+            </a:r>
+            <a:r>
+              <a:rPr lang="de-DE" baseline="0" dirty="0" err="1" smtClean="0"/>
+              <a:t>local</a:t>
+            </a:r>
+            <a:endParaRPr lang="de-DE" baseline="0" dirty="0" smtClean="0"/>
+          </a:p>
+          <a:p>
+            <a:pPr marL="0" indent="0">
+              <a:buFontTx/>
+              <a:buNone/>
+            </a:pPr>
+            <a:r>
+              <a:rPr lang="de-DE" dirty="0" smtClean="0"/>
+              <a:t>Keine Wirkliche Verbesserung</a:t>
+            </a:r>
+            <a:r>
+              <a:rPr lang="de-DE" baseline="0" dirty="0" smtClean="0"/>
+              <a:t>  da ganze Zeit für Request verwendet</a:t>
+            </a:r>
+            <a:endParaRPr lang="de-DE" dirty="0"/>
+          </a:p>
+        </p:txBody>
+      </p:sp>
+      <p:sp>
+        <p:nvSpPr>
+          <p:cNvPr id="4" name="Foliennummernplatzhalter 3"/>
+          <p:cNvSpPr>
+            <a:spLocks noGrp="1"/>
+          </p:cNvSpPr>
+          <p:nvPr>
+            <p:ph type="sldNum" sz="quarter" idx="10"/>
+          </p:nvPr>
+        </p:nvSpPr>
+        <p:spPr/>
+        <p:txBody>
+          <a:bodyPr/>
+          <a:lstStyle/>
+          <a:p>
+            <a:fld id="{808A6D52-1013-494D-9260-255BEBAEE1F7}" type="slidenum">
+              <a:rPr lang="de-DE" smtClean="0"/>
+              <a:t>9</a:t>
+            </a:fld>
+            <a:endParaRPr lang="de-DE"/>
+          </a:p>
+        </p:txBody>
+      </p:sp>
+    </p:spTree>
+    <p:extLst>
+      <p:ext uri="{BB962C8B-B14F-4D97-AF65-F5344CB8AC3E}">
+        <p14:creationId xmlns:p14="http://schemas.microsoft.com/office/powerpoint/2010/main" val="480748728"/>
+      </p:ext>
+    </p:extLst>
+  </p:cSld>
+  <p:clrMapOvr>
+    <a:masterClrMapping/>
+  </p:clrMapOvr>
+</p:notes>
+</file>
+
+<file path=ppt/notesSlides/notesSlide5.xml><?xml version="1.0" encoding="utf-8"?>
+<p:notes xmlns:a="http://schemas.openxmlformats.org/drawingml/2006/main" xmlns:r="http://schemas.openxmlformats.org/officeDocument/2006/relationships" xmlns:p="http://schemas.openxmlformats.org/presentationml/2006/main">
+  <p:cSld>
+    <p:spTree>
+      <p:nvGrpSpPr>
+        <p:cNvPr id="1" name=""/>
+        <p:cNvGrpSpPr/>
+        <p:nvPr/>
+      </p:nvGrpSpPr>
+      <p:grpSpPr>
+        <a:xfrm>
+          <a:off x="0" y="0"/>
+          <a:ext cx="0" cy="0"/>
+          <a:chOff x="0" y="0"/>
+          <a:chExt cx="0" cy="0"/>
+        </a:xfrm>
+      </p:grpSpPr>
+      <p:sp>
+        <p:nvSpPr>
+          <p:cNvPr id="2" name="Folienbildplatzhalter 1"/>
+          <p:cNvSpPr>
+            <a:spLocks noGrp="1" noRot="1" noChangeAspect="1"/>
+          </p:cNvSpPr>
+          <p:nvPr>
+            <p:ph type="sldImg"/>
+          </p:nvPr>
+        </p:nvSpPr>
+        <p:spPr/>
+      </p:sp>
+      <p:sp>
+        <p:nvSpPr>
+          <p:cNvPr id="3" name="Notizenplatzhalter 2"/>
+          <p:cNvSpPr>
+            <a:spLocks noGrp="1"/>
+          </p:cNvSpPr>
+          <p:nvPr>
+            <p:ph type="body" idx="1"/>
+          </p:nvPr>
+        </p:nvSpPr>
+        <p:spPr/>
+        <p:txBody>
+          <a:bodyPr/>
+          <a:lstStyle/>
+          <a:p>
+            <a:r>
+              <a:rPr lang="de-DE" dirty="0" smtClean="0"/>
+              <a:t>Programmierfehler und Speicherausnutzung zu betrachten</a:t>
+            </a:r>
+          </a:p>
+          <a:p>
+            <a:r>
+              <a:rPr lang="de-DE" dirty="0" smtClean="0"/>
+              <a:t>Memory mit </a:t>
+            </a:r>
+            <a:r>
+              <a:rPr lang="de-DE" dirty="0" err="1" smtClean="0"/>
+              <a:t>Jmeter</a:t>
+            </a:r>
+            <a:endParaRPr lang="de-DE" dirty="0" smtClean="0"/>
+          </a:p>
+          <a:p>
+            <a:endParaRPr lang="de-DE" dirty="0" smtClean="0"/>
+          </a:p>
+          <a:p>
+            <a:r>
+              <a:rPr lang="de-DE" dirty="0" smtClean="0"/>
+              <a:t>Mit</a:t>
+            </a:r>
+            <a:r>
+              <a:rPr lang="de-DE" baseline="0" dirty="0" smtClean="0"/>
+              <a:t> 2 Usern genau </a:t>
+            </a:r>
+            <a:r>
+              <a:rPr lang="de-DE" baseline="0" dirty="0" err="1" smtClean="0"/>
+              <a:t>ersichtilich</a:t>
+            </a:r>
+            <a:r>
+              <a:rPr lang="de-DE" baseline="0" dirty="0" smtClean="0"/>
+              <a:t> </a:t>
+            </a:r>
+          </a:p>
+          <a:p>
+            <a:pPr marL="171450" indent="-171450">
+              <a:buFontTx/>
+              <a:buChar char="-"/>
+            </a:pPr>
+            <a:r>
+              <a:rPr lang="de-DE" baseline="0" dirty="0" smtClean="0"/>
+              <a:t>2 </a:t>
+            </a:r>
+            <a:r>
+              <a:rPr lang="de-DE" baseline="0" dirty="0" err="1" smtClean="0"/>
+              <a:t>GameController</a:t>
+            </a:r>
+            <a:r>
+              <a:rPr lang="de-DE" baseline="0" dirty="0" smtClean="0"/>
+              <a:t> </a:t>
+            </a:r>
+          </a:p>
+          <a:p>
+            <a:pPr marL="171450" indent="-171450">
+              <a:buFontTx/>
+              <a:buChar char="-"/>
+            </a:pPr>
+            <a:r>
+              <a:rPr lang="de-DE" baseline="0" dirty="0" smtClean="0"/>
+              <a:t>2 </a:t>
+            </a:r>
+            <a:r>
+              <a:rPr lang="de-DE" baseline="0" dirty="0" err="1" smtClean="0"/>
+              <a:t>HighscoreDaos</a:t>
+            </a:r>
+            <a:r>
+              <a:rPr lang="de-DE" baseline="0" dirty="0" smtClean="0"/>
+              <a:t> mit </a:t>
+            </a:r>
+            <a:r>
+              <a:rPr lang="de-DE" baseline="0" dirty="0" err="1" smtClean="0"/>
+              <a:t>Hibernate</a:t>
+            </a:r>
+            <a:r>
+              <a:rPr lang="de-DE" baseline="0" dirty="0" smtClean="0"/>
+              <a:t> (Default)</a:t>
+            </a:r>
+          </a:p>
+          <a:p>
+            <a:pPr marL="171450" indent="-171450">
+              <a:buFontTx/>
+              <a:buChar char="-"/>
+            </a:pPr>
+            <a:r>
+              <a:rPr lang="de-DE" baseline="0" dirty="0" smtClean="0"/>
+              <a:t>2 </a:t>
+            </a:r>
+            <a:r>
+              <a:rPr lang="de-DE" baseline="0" dirty="0" err="1" smtClean="0"/>
+              <a:t>GameWebsockets</a:t>
+            </a:r>
+            <a:endParaRPr lang="de-DE" baseline="0" dirty="0" smtClean="0"/>
+          </a:p>
+          <a:p>
+            <a:pPr marL="171450" indent="-171450">
+              <a:buFontTx/>
+              <a:buChar char="-"/>
+            </a:pPr>
+            <a:endParaRPr lang="de-DE" baseline="0" dirty="0" smtClean="0"/>
+          </a:p>
+          <a:p>
+            <a:pPr marL="171450" indent="-171450">
+              <a:buFontTx/>
+              <a:buChar char="-"/>
+            </a:pPr>
+            <a:r>
+              <a:rPr lang="de-DE" baseline="0" dirty="0" smtClean="0"/>
+              <a:t>-&gt; 1 </a:t>
+            </a:r>
+            <a:r>
+              <a:rPr lang="de-DE" baseline="0" dirty="0" err="1" smtClean="0"/>
+              <a:t>Application</a:t>
+            </a:r>
+            <a:endParaRPr lang="de-DE" dirty="0"/>
+          </a:p>
+        </p:txBody>
+      </p:sp>
+      <p:sp>
+        <p:nvSpPr>
+          <p:cNvPr id="4" name="Foliennummernplatzhalter 3"/>
+          <p:cNvSpPr>
+            <a:spLocks noGrp="1"/>
+          </p:cNvSpPr>
+          <p:nvPr>
+            <p:ph type="sldNum" sz="quarter" idx="10"/>
+          </p:nvPr>
+        </p:nvSpPr>
+        <p:spPr/>
+        <p:txBody>
+          <a:bodyPr/>
+          <a:lstStyle/>
+          <a:p>
+            <a:fld id="{808A6D52-1013-494D-9260-255BEBAEE1F7}" type="slidenum">
+              <a:rPr lang="de-DE" smtClean="0"/>
+              <a:t>10</a:t>
+            </a:fld>
+            <a:endParaRPr lang="de-DE"/>
+          </a:p>
+        </p:txBody>
+      </p:sp>
+    </p:spTree>
+    <p:extLst>
+      <p:ext uri="{BB962C8B-B14F-4D97-AF65-F5344CB8AC3E}">
+        <p14:creationId xmlns:p14="http://schemas.microsoft.com/office/powerpoint/2010/main" val="3392738173"/>
+      </p:ext>
+    </p:extLst>
+  </p:cSld>
+  <p:clrMapOvr>
+    <a:masterClrMapping/>
+  </p:clrMapOvr>
+</p:notes>
+</file>
+
+<file path=ppt/notesSlides/notesSlide6.xml><?xml version="1.0" encoding="utf-8"?>
+<p:notes xmlns:a="http://schemas.openxmlformats.org/drawingml/2006/main" xmlns:r="http://schemas.openxmlformats.org/officeDocument/2006/relationships" xmlns:p="http://schemas.openxmlformats.org/presentationml/2006/main">
+  <p:cSld>
+    <p:spTree>
+      <p:nvGrpSpPr>
+        <p:cNvPr id="1" name=""/>
+        <p:cNvGrpSpPr/>
+        <p:nvPr/>
+      </p:nvGrpSpPr>
+      <p:grpSpPr>
+        <a:xfrm>
+          <a:off x="0" y="0"/>
+          <a:ext cx="0" cy="0"/>
+          <a:chOff x="0" y="0"/>
+          <a:chExt cx="0" cy="0"/>
+        </a:xfrm>
+      </p:grpSpPr>
+      <p:sp>
+        <p:nvSpPr>
+          <p:cNvPr id="2" name="Folienbildplatzhalter 1"/>
+          <p:cNvSpPr>
+            <a:spLocks noGrp="1" noRot="1" noChangeAspect="1"/>
+          </p:cNvSpPr>
+          <p:nvPr>
+            <p:ph type="sldImg"/>
+          </p:nvPr>
+        </p:nvSpPr>
+        <p:spPr/>
+      </p:sp>
+      <p:sp>
+        <p:nvSpPr>
+          <p:cNvPr id="3" name="Notizenplatzhalter 2"/>
+          <p:cNvSpPr>
+            <a:spLocks noGrp="1"/>
+          </p:cNvSpPr>
+          <p:nvPr>
+            <p:ph type="body" idx="1"/>
+          </p:nvPr>
+        </p:nvSpPr>
+        <p:spPr/>
+        <p:txBody>
+          <a:bodyPr/>
+          <a:lstStyle/>
+          <a:p>
+            <a:r>
+              <a:rPr lang="de-DE" dirty="0" smtClean="0"/>
+              <a:t>1. Test  gleicher Test mit 5 Threads </a:t>
+            </a:r>
+          </a:p>
+          <a:p>
+            <a:endParaRPr lang="de-DE" dirty="0" smtClean="0"/>
+          </a:p>
+        </p:txBody>
+      </p:sp>
+      <p:sp>
+        <p:nvSpPr>
+          <p:cNvPr id="4" name="Foliennummernplatzhalter 3"/>
+          <p:cNvSpPr>
+            <a:spLocks noGrp="1"/>
+          </p:cNvSpPr>
+          <p:nvPr>
+            <p:ph type="sldNum" sz="quarter" idx="10"/>
+          </p:nvPr>
+        </p:nvSpPr>
+        <p:spPr/>
+        <p:txBody>
+          <a:bodyPr/>
+          <a:lstStyle/>
+          <a:p>
+            <a:fld id="{808A6D52-1013-494D-9260-255BEBAEE1F7}" type="slidenum">
+              <a:rPr lang="de-DE" smtClean="0"/>
+              <a:t>11</a:t>
+            </a:fld>
+            <a:endParaRPr lang="de-DE"/>
+          </a:p>
+        </p:txBody>
+      </p:sp>
+    </p:spTree>
+    <p:extLst>
+      <p:ext uri="{BB962C8B-B14F-4D97-AF65-F5344CB8AC3E}">
+        <p14:creationId xmlns:p14="http://schemas.microsoft.com/office/powerpoint/2010/main" val="2217258695"/>
+      </p:ext>
+    </p:extLst>
+  </p:cSld>
+  <p:clrMapOvr>
+    <a:masterClrMapping/>
+  </p:clrMapOvr>
+</p:notes>
+</file>
+
+<file path=ppt/notesSlides/notesSlide7.xml><?xml version="1.0" encoding="utf-8"?>
+<p:notes xmlns:a="http://schemas.openxmlformats.org/drawingml/2006/main" xmlns:r="http://schemas.openxmlformats.org/officeDocument/2006/relationships" xmlns:p="http://schemas.openxmlformats.org/presentationml/2006/main">
+  <p:cSld>
+    <p:spTree>
+      <p:nvGrpSpPr>
+        <p:cNvPr id="1" name=""/>
+        <p:cNvGrpSpPr/>
+        <p:nvPr/>
+      </p:nvGrpSpPr>
+      <p:grpSpPr>
+        <a:xfrm>
+          <a:off x="0" y="0"/>
+          <a:ext cx="0" cy="0"/>
+          <a:chOff x="0" y="0"/>
+          <a:chExt cx="0" cy="0"/>
+        </a:xfrm>
+      </p:grpSpPr>
+      <p:sp>
+        <p:nvSpPr>
+          <p:cNvPr id="2" name="Folienbildplatzhalter 1"/>
+          <p:cNvSpPr>
+            <a:spLocks noGrp="1" noRot="1" noChangeAspect="1"/>
+          </p:cNvSpPr>
+          <p:nvPr>
+            <p:ph type="sldImg"/>
+          </p:nvPr>
+        </p:nvSpPr>
+        <p:spPr/>
+      </p:sp>
+      <p:sp>
+        <p:nvSpPr>
+          <p:cNvPr id="3" name="Notizenplatzhalter 2"/>
+          <p:cNvSpPr>
+            <a:spLocks noGrp="1"/>
+          </p:cNvSpPr>
+          <p:nvPr>
+            <p:ph type="body" idx="1"/>
+          </p:nvPr>
+        </p:nvSpPr>
+        <p:spPr/>
+        <p:txBody>
+          <a:bodyPr/>
+          <a:lstStyle/>
+          <a:p>
+            <a:pPr marL="0" marR="0" indent="0" algn="l" defTabSz="914400" rtl="0" eaLnBrk="1" fontAlgn="auto" latinLnBrk="0" hangingPunct="1">
+              <a:lnSpc>
+                <a:spcPct val="100000"/>
+              </a:lnSpc>
+              <a:spcBef>
+                <a:spcPts val="0"/>
+              </a:spcBef>
+              <a:spcAft>
+                <a:spcPts val="0"/>
+              </a:spcAft>
+              <a:buClrTx/>
+              <a:buSzTx/>
+              <a:buFontTx/>
+              <a:buNone/>
+              <a:tabLst/>
+              <a:defRPr/>
+            </a:pPr>
+            <a:r>
+              <a:rPr lang="de-DE" dirty="0" smtClean="0"/>
+              <a:t>2. Test 50</a:t>
+            </a:r>
+            <a:r>
+              <a:rPr lang="de-DE" dirty="0" smtClean="0"/>
+              <a:t>0 Anfragen mit 10 Threads gleichzeitig</a:t>
+            </a:r>
+          </a:p>
+          <a:p>
+            <a:endParaRPr lang="de-DE" dirty="0" smtClean="0"/>
+          </a:p>
+          <a:p>
+            <a:pPr marL="0" marR="0" indent="0" algn="l" defTabSz="914400" rtl="0" eaLnBrk="1" fontAlgn="auto" latinLnBrk="0" hangingPunct="1">
+              <a:lnSpc>
+                <a:spcPct val="100000"/>
+              </a:lnSpc>
+              <a:spcBef>
+                <a:spcPts val="0"/>
+              </a:spcBef>
+              <a:spcAft>
+                <a:spcPts val="0"/>
+              </a:spcAft>
+              <a:buClrTx/>
+              <a:buSzTx/>
+              <a:buFontTx/>
+              <a:buNone/>
+              <a:tabLst/>
+              <a:defRPr/>
+            </a:pPr>
+            <a:r>
+              <a:rPr lang="de-DE" dirty="0" smtClean="0"/>
+              <a:t>-&gt; wie</a:t>
+            </a:r>
+            <a:r>
+              <a:rPr lang="de-DE" baseline="0" dirty="0" smtClean="0"/>
+              <a:t> erwartet Verdopplung der Zeit / Durchschnitt</a:t>
+            </a:r>
+          </a:p>
+          <a:p>
+            <a:pPr marL="0" marR="0" indent="0" algn="l" defTabSz="914400" rtl="0" eaLnBrk="1" fontAlgn="auto" latinLnBrk="0" hangingPunct="1">
+              <a:lnSpc>
+                <a:spcPct val="100000"/>
+              </a:lnSpc>
+              <a:spcBef>
+                <a:spcPts val="0"/>
+              </a:spcBef>
+              <a:spcAft>
+                <a:spcPts val="0"/>
+              </a:spcAft>
+              <a:buClrTx/>
+              <a:buSzTx/>
+              <a:buFontTx/>
+              <a:buNone/>
+              <a:tabLst/>
+              <a:defRPr/>
+            </a:pPr>
+            <a:endParaRPr lang="de-DE" baseline="0" dirty="0" smtClean="0"/>
+          </a:p>
+          <a:p>
+            <a:pPr marL="0" marR="0" indent="0" algn="l" defTabSz="914400" rtl="0" eaLnBrk="1" fontAlgn="auto" latinLnBrk="0" hangingPunct="1">
+              <a:lnSpc>
+                <a:spcPct val="100000"/>
+              </a:lnSpc>
+              <a:spcBef>
+                <a:spcPts val="0"/>
+              </a:spcBef>
+              <a:spcAft>
+                <a:spcPts val="0"/>
+              </a:spcAft>
+              <a:buClrTx/>
+              <a:buSzTx/>
+              <a:buFontTx/>
+              <a:buNone/>
+              <a:tabLst/>
+              <a:defRPr/>
+            </a:pPr>
+            <a:endParaRPr lang="de-DE" baseline="0" dirty="0" smtClean="0"/>
+          </a:p>
+        </p:txBody>
+      </p:sp>
+      <p:sp>
+        <p:nvSpPr>
+          <p:cNvPr id="4" name="Foliennummernplatzhalter 3"/>
+          <p:cNvSpPr>
+            <a:spLocks noGrp="1"/>
+          </p:cNvSpPr>
+          <p:nvPr>
+            <p:ph type="sldNum" sz="quarter" idx="10"/>
+          </p:nvPr>
+        </p:nvSpPr>
+        <p:spPr/>
+        <p:txBody>
+          <a:bodyPr/>
+          <a:lstStyle/>
+          <a:p>
+            <a:fld id="{808A6D52-1013-494D-9260-255BEBAEE1F7}" type="slidenum">
+              <a:rPr lang="de-DE" smtClean="0"/>
+              <a:t>12</a:t>
+            </a:fld>
+            <a:endParaRPr lang="de-DE"/>
+          </a:p>
+        </p:txBody>
+      </p:sp>
+    </p:spTree>
+    <p:extLst>
+      <p:ext uri="{BB962C8B-B14F-4D97-AF65-F5344CB8AC3E}">
+        <p14:creationId xmlns:p14="http://schemas.microsoft.com/office/powerpoint/2010/main" val="54726876"/>
+      </p:ext>
+    </p:extLst>
+  </p:cSld>
+  <p:clrMapOvr>
+    <a:masterClrMapping/>
+  </p:clrMapOvr>
+</p:notes>
+</file>
+
+<file path=ppt/notesSlides/notesSlide8.xml><?xml version="1.0" encoding="utf-8"?>
 <p:notes xmlns:a="http://schemas.openxmlformats.org/drawingml/2006/main" xmlns:r="http://schemas.openxmlformats.org/officeDocument/2006/relationships" xmlns:p="http://schemas.openxmlformats.org/presentationml/2006/main">
   <p:cSld>
     <p:spTree>
@@ -709,7 +1749,7 @@
           <a:noFill/>
           <a:extLst>
             <a:ext uri="{909E8E84-426E-40dd-AFC4-6F175D3DCCD1}">
-              <a14:hiddenFill xmlns:a14="http://schemas.microsoft.com/office/drawing/2010/main" xmlns="">
+              <a14:hiddenFill xmlns="" xmlns:a14="http://schemas.microsoft.com/office/drawing/2010/main">
                 <a:solidFill>
                   <a:srgbClr val="FFFFFF"/>
                 </a:solidFill>
@@ -769,7 +1809,7 @@
             </a:ln>
             <a:extLst>
               <a:ext uri="{91240B29-F687-4f45-9708-019B960494DF}">
-                <a14:hiddenLine xmlns:a14="http://schemas.microsoft.com/office/drawing/2010/main" xmlns="" w="9525">
+                <a14:hiddenLine xmlns="" xmlns:a14="http://schemas.microsoft.com/office/drawing/2010/main" w="9525">
                   <a:solidFill>
                     <a:srgbClr val="000000"/>
                   </a:solidFill>
@@ -859,7 +1899,7 @@
             </a:ln>
             <a:extLst>
               <a:ext uri="{91240B29-F687-4f45-9708-019B960494DF}">
-                <a14:hiddenLine xmlns:a14="http://schemas.microsoft.com/office/drawing/2010/main" xmlns="" w="9525">
+                <a14:hiddenLine xmlns="" xmlns:a14="http://schemas.microsoft.com/office/drawing/2010/main" w="9525">
                   <a:solidFill>
                     <a:srgbClr val="000000"/>
                   </a:solidFill>
@@ -949,7 +1989,7 @@
             </a:ln>
             <a:extLst>
               <a:ext uri="{91240B29-F687-4f45-9708-019B960494DF}">
-                <a14:hiddenLine xmlns:a14="http://schemas.microsoft.com/office/drawing/2010/main" xmlns="" w="9525">
+                <a14:hiddenLine xmlns="" xmlns:a14="http://schemas.microsoft.com/office/drawing/2010/main" w="9525">
                   <a:solidFill>
                     <a:srgbClr val="000000"/>
                   </a:solidFill>
@@ -983,7 +2023,7 @@
             </a:ln>
             <a:extLst>
               <a:ext uri="{91240B29-F687-4f45-9708-019B960494DF}">
-                <a14:hiddenLine xmlns:a14="http://schemas.microsoft.com/office/drawing/2010/main" xmlns="" w="9525">
+                <a14:hiddenLine xmlns="" xmlns:a14="http://schemas.microsoft.com/office/drawing/2010/main" w="9525">
                   <a:solidFill>
                     <a:srgbClr val="000000"/>
                   </a:solidFill>
@@ -1073,7 +2113,7 @@
             </a:ln>
             <a:extLst>
               <a:ext uri="{91240B29-F687-4f45-9708-019B960494DF}">
-                <a14:hiddenLine xmlns:a14="http://schemas.microsoft.com/office/drawing/2010/main" xmlns="" w="9525">
+                <a14:hiddenLine xmlns="" xmlns:a14="http://schemas.microsoft.com/office/drawing/2010/main" w="9525">
                   <a:solidFill>
                     <a:srgbClr val="000000"/>
                   </a:solidFill>
@@ -1135,7 +2175,7 @@
             </a:ln>
             <a:extLst>
               <a:ext uri="{91240B29-F687-4f45-9708-019B960494DF}">
-                <a14:hiddenLine xmlns:a14="http://schemas.microsoft.com/office/drawing/2010/main" xmlns="" w="9525">
+                <a14:hiddenLine xmlns="" xmlns:a14="http://schemas.microsoft.com/office/drawing/2010/main" w="9525">
                   <a:solidFill>
                     <a:srgbClr val="000000"/>
                   </a:solidFill>
@@ -1197,7 +2237,7 @@
             </a:ln>
             <a:extLst>
               <a:ext uri="{91240B29-F687-4f45-9708-019B960494DF}">
-                <a14:hiddenLine xmlns:a14="http://schemas.microsoft.com/office/drawing/2010/main" xmlns="" w="9525">
+                <a14:hiddenLine xmlns="" xmlns:a14="http://schemas.microsoft.com/office/drawing/2010/main" w="9525">
                   <a:solidFill>
                     <a:srgbClr val="000000"/>
                   </a:solidFill>
@@ -1287,7 +2327,7 @@
             </a:ln>
             <a:extLst>
               <a:ext uri="{91240B29-F687-4f45-9708-019B960494DF}">
-                <a14:hiddenLine xmlns:a14="http://schemas.microsoft.com/office/drawing/2010/main" xmlns="" w="9525">
+                <a14:hiddenLine xmlns="" xmlns:a14="http://schemas.microsoft.com/office/drawing/2010/main" w="9525">
                   <a:solidFill>
                     <a:srgbClr val="000000"/>
                   </a:solidFill>
@@ -1349,7 +2389,7 @@
             </a:ln>
             <a:extLst>
               <a:ext uri="{91240B29-F687-4f45-9708-019B960494DF}">
-                <a14:hiddenLine xmlns:a14="http://schemas.microsoft.com/office/drawing/2010/main" xmlns="" w="9525">
+                <a14:hiddenLine xmlns="" xmlns:a14="http://schemas.microsoft.com/office/drawing/2010/main" w="9525">
                   <a:solidFill>
                     <a:srgbClr val="000000"/>
                   </a:solidFill>
@@ -1411,7 +2451,7 @@
             </a:ln>
             <a:extLst>
               <a:ext uri="{91240B29-F687-4f45-9708-019B960494DF}">
-                <a14:hiddenLine xmlns:a14="http://schemas.microsoft.com/office/drawing/2010/main" xmlns="" w="9525">
+                <a14:hiddenLine xmlns="" xmlns:a14="http://schemas.microsoft.com/office/drawing/2010/main" w="9525">
                   <a:solidFill>
                     <a:srgbClr val="000000"/>
                   </a:solidFill>
@@ -1501,7 +2541,7 @@
             </a:ln>
             <a:extLst>
               <a:ext uri="{91240B29-F687-4f45-9708-019B960494DF}">
-                <a14:hiddenLine xmlns:a14="http://schemas.microsoft.com/office/drawing/2010/main" xmlns="" w="9525">
+                <a14:hiddenLine xmlns="" xmlns:a14="http://schemas.microsoft.com/office/drawing/2010/main" w="9525">
                   <a:solidFill>
                     <a:srgbClr val="000000"/>
                   </a:solidFill>
@@ -1591,7 +2631,7 @@
             </a:ln>
             <a:extLst>
               <a:ext uri="{91240B29-F687-4f45-9708-019B960494DF}">
-                <a14:hiddenLine xmlns:a14="http://schemas.microsoft.com/office/drawing/2010/main" xmlns="" w="9525">
+                <a14:hiddenLine xmlns="" xmlns:a14="http://schemas.microsoft.com/office/drawing/2010/main" w="9525">
                   <a:solidFill>
                     <a:srgbClr val="000000"/>
                   </a:solidFill>
@@ -1653,7 +2693,7 @@
             </a:ln>
             <a:extLst>
               <a:ext uri="{91240B29-F687-4f45-9708-019B960494DF}">
-                <a14:hiddenLine xmlns:a14="http://schemas.microsoft.com/office/drawing/2010/main" xmlns="" w="9525">
+                <a14:hiddenLine xmlns="" xmlns:a14="http://schemas.microsoft.com/office/drawing/2010/main" w="9525">
                   <a:solidFill>
                     <a:srgbClr val="000000"/>
                   </a:solidFill>
@@ -1763,7 +2803,7 @@
             </a:ln>
             <a:extLst>
               <a:ext uri="{91240B29-F687-4f45-9708-019B960494DF}">
-                <a14:hiddenLine xmlns:a14="http://schemas.microsoft.com/office/drawing/2010/main" xmlns="" w="9525">
+                <a14:hiddenLine xmlns="" xmlns:a14="http://schemas.microsoft.com/office/drawing/2010/main" w="9525">
                   <a:solidFill>
                     <a:srgbClr val="000000"/>
                   </a:solidFill>
@@ -1825,7 +2865,7 @@
             </a:ln>
             <a:extLst>
               <a:ext uri="{91240B29-F687-4f45-9708-019B960494DF}">
-                <a14:hiddenLine xmlns:a14="http://schemas.microsoft.com/office/drawing/2010/main" xmlns="" w="9525">
+                <a14:hiddenLine xmlns="" xmlns:a14="http://schemas.microsoft.com/office/drawing/2010/main" w="9525">
                   <a:solidFill>
                     <a:srgbClr val="000000"/>
                   </a:solidFill>
@@ -1915,7 +2955,7 @@
             </a:ln>
             <a:extLst>
               <a:ext uri="{91240B29-F687-4f45-9708-019B960494DF}">
-                <a14:hiddenLine xmlns:a14="http://schemas.microsoft.com/office/drawing/2010/main" xmlns="" w="9525">
+                <a14:hiddenLine xmlns="" xmlns:a14="http://schemas.microsoft.com/office/drawing/2010/main" w="9525">
                   <a:solidFill>
                     <a:srgbClr val="000000"/>
                   </a:solidFill>
@@ -2005,7 +3045,7 @@
             </a:ln>
             <a:extLst>
               <a:ext uri="{91240B29-F687-4f45-9708-019B960494DF}">
-                <a14:hiddenLine xmlns:a14="http://schemas.microsoft.com/office/drawing/2010/main" xmlns="" w="9525">
+                <a14:hiddenLine xmlns="" xmlns:a14="http://schemas.microsoft.com/office/drawing/2010/main" w="9525">
                   <a:solidFill>
                     <a:srgbClr val="000000"/>
                   </a:solidFill>
@@ -2067,7 +3107,7 @@
             </a:ln>
             <a:extLst>
               <a:ext uri="{91240B29-F687-4f45-9708-019B960494DF}">
-                <a14:hiddenLine xmlns:a14="http://schemas.microsoft.com/office/drawing/2010/main" xmlns="" w="9525">
+                <a14:hiddenLine xmlns="" xmlns:a14="http://schemas.microsoft.com/office/drawing/2010/main" w="9525">
                   <a:solidFill>
                     <a:srgbClr val="000000"/>
                   </a:solidFill>
@@ -2157,7 +3197,7 @@
             </a:ln>
             <a:extLst>
               <a:ext uri="{91240B29-F687-4f45-9708-019B960494DF}">
-                <a14:hiddenLine xmlns:a14="http://schemas.microsoft.com/office/drawing/2010/main" xmlns="" w="9525">
+                <a14:hiddenLine xmlns="" xmlns:a14="http://schemas.microsoft.com/office/drawing/2010/main" w="9525">
                   <a:solidFill>
                     <a:srgbClr val="000000"/>
                   </a:solidFill>
@@ -2247,7 +3287,7 @@
             </a:ln>
             <a:extLst>
               <a:ext uri="{91240B29-F687-4f45-9708-019B960494DF}">
-                <a14:hiddenLine xmlns:a14="http://schemas.microsoft.com/office/drawing/2010/main" xmlns="" w="9525">
+                <a14:hiddenLine xmlns="" xmlns:a14="http://schemas.microsoft.com/office/drawing/2010/main" w="9525">
                   <a:solidFill>
                     <a:srgbClr val="000000"/>
                   </a:solidFill>
@@ -2303,7 +3343,7 @@
             </a:ln>
             <a:extLst>
               <a:ext uri="{91240B29-F687-4f45-9708-019B960494DF}">
-                <a14:hiddenLine xmlns:a14="http://schemas.microsoft.com/office/drawing/2010/main" xmlns="" w="9525">
+                <a14:hiddenLine xmlns="" xmlns:a14="http://schemas.microsoft.com/office/drawing/2010/main" w="9525">
                   <a:solidFill>
                     <a:srgbClr val="000000"/>
                   </a:solidFill>
@@ -2393,7 +3433,7 @@
             </a:ln>
             <a:extLst>
               <a:ext uri="{91240B29-F687-4f45-9708-019B960494DF}">
-                <a14:hiddenLine xmlns:a14="http://schemas.microsoft.com/office/drawing/2010/main" xmlns="" w="9525">
+                <a14:hiddenLine xmlns="" xmlns:a14="http://schemas.microsoft.com/office/drawing/2010/main" w="9525">
                   <a:solidFill>
                     <a:srgbClr val="000000"/>
                   </a:solidFill>
@@ -2449,7 +3489,7 @@
             </a:ln>
             <a:extLst>
               <a:ext uri="{91240B29-F687-4f45-9708-019B960494DF}">
-                <a14:hiddenLine xmlns:a14="http://schemas.microsoft.com/office/drawing/2010/main" xmlns="" w="9525">
+                <a14:hiddenLine xmlns="" xmlns:a14="http://schemas.microsoft.com/office/drawing/2010/main" w="9525">
                   <a:solidFill>
                     <a:srgbClr val="000000"/>
                   </a:solidFill>
@@ -2539,7 +3579,7 @@
             </a:ln>
             <a:extLst>
               <a:ext uri="{91240B29-F687-4f45-9708-019B960494DF}">
-                <a14:hiddenLine xmlns:a14="http://schemas.microsoft.com/office/drawing/2010/main" xmlns="" w="9525">
+                <a14:hiddenLine xmlns="" xmlns:a14="http://schemas.microsoft.com/office/drawing/2010/main" w="9525">
                   <a:solidFill>
                     <a:srgbClr val="000000"/>
                   </a:solidFill>
@@ -2607,7 +3647,7 @@
             </a:ln>
             <a:extLst>
               <a:ext uri="{91240B29-F687-4f45-9708-019B960494DF}">
-                <a14:hiddenLine xmlns:a14="http://schemas.microsoft.com/office/drawing/2010/main" xmlns="" w="9525">
+                <a14:hiddenLine xmlns="" xmlns:a14="http://schemas.microsoft.com/office/drawing/2010/main" w="9525">
                   <a:solidFill>
                     <a:srgbClr val="000000"/>
                   </a:solidFill>
@@ -2697,7 +3737,7 @@
             </a:ln>
             <a:extLst>
               <a:ext uri="{91240B29-F687-4f45-9708-019B960494DF}">
-                <a14:hiddenLine xmlns:a14="http://schemas.microsoft.com/office/drawing/2010/main" xmlns="" w="9525">
+                <a14:hiddenLine xmlns="" xmlns:a14="http://schemas.microsoft.com/office/drawing/2010/main" w="9525">
                   <a:solidFill>
                     <a:srgbClr val="000000"/>
                   </a:solidFill>
@@ -2765,7 +3805,7 @@
             </a:ln>
             <a:extLst>
               <a:ext uri="{91240B29-F687-4f45-9708-019B960494DF}">
-                <a14:hiddenLine xmlns:a14="http://schemas.microsoft.com/office/drawing/2010/main" xmlns="" w="9525">
+                <a14:hiddenLine xmlns="" xmlns:a14="http://schemas.microsoft.com/office/drawing/2010/main" w="9525">
                   <a:solidFill>
                     <a:srgbClr val="000000"/>
                   </a:solidFill>
@@ -2855,7 +3895,7 @@
             </a:ln>
             <a:extLst>
               <a:ext uri="{91240B29-F687-4f45-9708-019B960494DF}">
-                <a14:hiddenLine xmlns:a14="http://schemas.microsoft.com/office/drawing/2010/main" xmlns="" w="9525">
+                <a14:hiddenLine xmlns="" xmlns:a14="http://schemas.microsoft.com/office/drawing/2010/main" w="9525">
                   <a:solidFill>
                     <a:srgbClr val="000000"/>
                   </a:solidFill>
@@ -2889,7 +3929,7 @@
             </a:ln>
             <a:extLst>
               <a:ext uri="{91240B29-F687-4f45-9708-019B960494DF}">
-                <a14:hiddenLine xmlns:a14="http://schemas.microsoft.com/office/drawing/2010/main" xmlns="" w="9525">
+                <a14:hiddenLine xmlns="" xmlns:a14="http://schemas.microsoft.com/office/drawing/2010/main" w="9525">
                   <a:solidFill>
                     <a:srgbClr val="000000"/>
                   </a:solidFill>
@@ -2979,7 +4019,7 @@
             </a:ln>
             <a:extLst>
               <a:ext uri="{91240B29-F687-4f45-9708-019B960494DF}">
-                <a14:hiddenLine xmlns:a14="http://schemas.microsoft.com/office/drawing/2010/main" xmlns="" w="9525">
+                <a14:hiddenLine xmlns="" xmlns:a14="http://schemas.microsoft.com/office/drawing/2010/main" w="9525">
                   <a:solidFill>
                     <a:srgbClr val="000000"/>
                   </a:solidFill>
@@ -3041,7 +4081,7 @@
             </a:ln>
             <a:extLst>
               <a:ext uri="{91240B29-F687-4f45-9708-019B960494DF}">
-                <a14:hiddenLine xmlns:a14="http://schemas.microsoft.com/office/drawing/2010/main" xmlns="" w="9525">
+                <a14:hiddenLine xmlns="" xmlns:a14="http://schemas.microsoft.com/office/drawing/2010/main" w="9525">
                   <a:solidFill>
                     <a:srgbClr val="000000"/>
                   </a:solidFill>
@@ -3103,7 +4143,7 @@
             </a:ln>
             <a:extLst>
               <a:ext uri="{91240B29-F687-4f45-9708-019B960494DF}">
-                <a14:hiddenLine xmlns:a14="http://schemas.microsoft.com/office/drawing/2010/main" xmlns="" w="9525">
+                <a14:hiddenLine xmlns="" xmlns:a14="http://schemas.microsoft.com/office/drawing/2010/main" w="9525">
                   <a:solidFill>
                     <a:srgbClr val="000000"/>
                   </a:solidFill>
@@ -3193,7 +4233,7 @@
             </a:ln>
             <a:extLst>
               <a:ext uri="{91240B29-F687-4f45-9708-019B960494DF}">
-                <a14:hiddenLine xmlns:a14="http://schemas.microsoft.com/office/drawing/2010/main" xmlns="" w="9525">
+                <a14:hiddenLine xmlns="" xmlns:a14="http://schemas.microsoft.com/office/drawing/2010/main" w="9525">
                   <a:solidFill>
                     <a:srgbClr val="000000"/>
                   </a:solidFill>
@@ -3261,7 +4301,7 @@
             </a:ln>
             <a:extLst>
               <a:ext uri="{91240B29-F687-4f45-9708-019B960494DF}">
-                <a14:hiddenLine xmlns:a14="http://schemas.microsoft.com/office/drawing/2010/main" xmlns="" w="9525">
+                <a14:hiddenLine xmlns="" xmlns:a14="http://schemas.microsoft.com/office/drawing/2010/main" w="9525">
                   <a:solidFill>
                     <a:srgbClr val="000000"/>
                   </a:solidFill>
@@ -3323,7 +4363,7 @@
             </a:ln>
             <a:extLst>
               <a:ext uri="{91240B29-F687-4f45-9708-019B960494DF}">
-                <a14:hiddenLine xmlns:a14="http://schemas.microsoft.com/office/drawing/2010/main" xmlns="" w="9525">
+                <a14:hiddenLine xmlns="" xmlns:a14="http://schemas.microsoft.com/office/drawing/2010/main" w="9525">
                   <a:solidFill>
                     <a:srgbClr val="000000"/>
                   </a:solidFill>
@@ -3413,7 +4453,7 @@
             </a:ln>
             <a:extLst>
               <a:ext uri="{91240B29-F687-4f45-9708-019B960494DF}">
-                <a14:hiddenLine xmlns:a14="http://schemas.microsoft.com/office/drawing/2010/main" xmlns="" w="9525">
+                <a14:hiddenLine xmlns="" xmlns:a14="http://schemas.microsoft.com/office/drawing/2010/main" w="9525">
                   <a:solidFill>
                     <a:srgbClr val="000000"/>
                   </a:solidFill>
@@ -3475,7 +4515,7 @@
             </a:ln>
             <a:extLst>
               <a:ext uri="{91240B29-F687-4f45-9708-019B960494DF}">
-                <a14:hiddenLine xmlns:a14="http://schemas.microsoft.com/office/drawing/2010/main" xmlns="" w="9525">
+                <a14:hiddenLine xmlns="" xmlns:a14="http://schemas.microsoft.com/office/drawing/2010/main" w="9525">
                   <a:solidFill>
                     <a:srgbClr val="000000"/>
                   </a:solidFill>
@@ -3565,7 +4605,7 @@
             </a:ln>
             <a:extLst>
               <a:ext uri="{91240B29-F687-4f45-9708-019B960494DF}">
-                <a14:hiddenLine xmlns:a14="http://schemas.microsoft.com/office/drawing/2010/main" xmlns="" w="9525">
+                <a14:hiddenLine xmlns="" xmlns:a14="http://schemas.microsoft.com/office/drawing/2010/main" w="9525">
                   <a:solidFill>
                     <a:srgbClr val="000000"/>
                   </a:solidFill>
@@ -3627,7 +4667,7 @@
             </a:ln>
             <a:extLst>
               <a:ext uri="{91240B29-F687-4f45-9708-019B960494DF}">
-                <a14:hiddenLine xmlns:a14="http://schemas.microsoft.com/office/drawing/2010/main" xmlns="" w="9525">
+                <a14:hiddenLine xmlns="" xmlns:a14="http://schemas.microsoft.com/office/drawing/2010/main" w="9525">
                   <a:solidFill>
                     <a:srgbClr val="000000"/>
                   </a:solidFill>
@@ -3717,7 +4757,7 @@
             </a:ln>
             <a:extLst>
               <a:ext uri="{91240B29-F687-4f45-9708-019B960494DF}">
-                <a14:hiddenLine xmlns:a14="http://schemas.microsoft.com/office/drawing/2010/main" xmlns="" w="9525">
+                <a14:hiddenLine xmlns="" xmlns:a14="http://schemas.microsoft.com/office/drawing/2010/main" w="9525">
                   <a:solidFill>
                     <a:srgbClr val="000000"/>
                   </a:solidFill>
@@ -3751,7 +4791,7 @@
             </a:ln>
             <a:extLst>
               <a:ext uri="{91240B29-F687-4f45-9708-019B960494DF}">
-                <a14:hiddenLine xmlns:a14="http://schemas.microsoft.com/office/drawing/2010/main" xmlns="" w="9525">
+                <a14:hiddenLine xmlns="" xmlns:a14="http://schemas.microsoft.com/office/drawing/2010/main" w="9525">
                   <a:solidFill>
                     <a:srgbClr val="000000"/>
                   </a:solidFill>
@@ -3816,7 +4856,7 @@
             </a:ln>
             <a:extLst>
               <a:ext uri="{91240B29-F687-4f45-9708-019B960494DF}">
-                <a14:hiddenLine xmlns:a14="http://schemas.microsoft.com/office/drawing/2010/main" xmlns="" w="9525">
+                <a14:hiddenLine xmlns="" xmlns:a14="http://schemas.microsoft.com/office/drawing/2010/main" w="9525">
                   <a:solidFill>
                     <a:srgbClr val="000000"/>
                   </a:solidFill>
@@ -3906,7 +4946,7 @@
             </a:ln>
             <a:extLst>
               <a:ext uri="{91240B29-F687-4f45-9708-019B960494DF}">
-                <a14:hiddenLine xmlns:a14="http://schemas.microsoft.com/office/drawing/2010/main" xmlns="" w="9525">
+                <a14:hiddenLine xmlns="" xmlns:a14="http://schemas.microsoft.com/office/drawing/2010/main" w="9525">
                   <a:solidFill>
                     <a:srgbClr val="000000"/>
                   </a:solidFill>
@@ -3968,7 +5008,7 @@
             </a:ln>
             <a:extLst>
               <a:ext uri="{91240B29-F687-4f45-9708-019B960494DF}">
-                <a14:hiddenLine xmlns:a14="http://schemas.microsoft.com/office/drawing/2010/main" xmlns="" w="9525">
+                <a14:hiddenLine xmlns="" xmlns:a14="http://schemas.microsoft.com/office/drawing/2010/main" w="9525">
                   <a:solidFill>
                     <a:srgbClr val="000000"/>
                   </a:solidFill>
@@ -4058,7 +5098,7 @@
             </a:ln>
             <a:extLst>
               <a:ext uri="{91240B29-F687-4f45-9708-019B960494DF}">
-                <a14:hiddenLine xmlns:a14="http://schemas.microsoft.com/office/drawing/2010/main" xmlns="" w="9525">
+                <a14:hiddenLine xmlns="" xmlns:a14="http://schemas.microsoft.com/office/drawing/2010/main" w="9525">
                   <a:solidFill>
                     <a:srgbClr val="000000"/>
                   </a:solidFill>
@@ -4148,7 +5188,7 @@
             </a:ln>
             <a:extLst>
               <a:ext uri="{91240B29-F687-4f45-9708-019B960494DF}">
-                <a14:hiddenLine xmlns:a14="http://schemas.microsoft.com/office/drawing/2010/main" xmlns="" w="9525">
+                <a14:hiddenLine xmlns="" xmlns:a14="http://schemas.microsoft.com/office/drawing/2010/main" w="9525">
                   <a:solidFill>
                     <a:srgbClr val="000000"/>
                   </a:solidFill>
@@ -4213,7 +5253,7 @@
             </a:ln>
             <a:extLst>
               <a:ext uri="{91240B29-F687-4f45-9708-019B960494DF}">
-                <a14:hiddenLine xmlns:a14="http://schemas.microsoft.com/office/drawing/2010/main" xmlns="" w="9525">
+                <a14:hiddenLine xmlns="" xmlns:a14="http://schemas.microsoft.com/office/drawing/2010/main" w="9525">
                   <a:solidFill>
                     <a:srgbClr val="000000"/>
                   </a:solidFill>
@@ -4275,7 +5315,7 @@
             </a:ln>
             <a:extLst>
               <a:ext uri="{91240B29-F687-4f45-9708-019B960494DF}">
-                <a14:hiddenLine xmlns:a14="http://schemas.microsoft.com/office/drawing/2010/main" xmlns="" w="9525">
+                <a14:hiddenLine xmlns="" xmlns:a14="http://schemas.microsoft.com/office/drawing/2010/main" w="9525">
                   <a:solidFill>
                     <a:srgbClr val="000000"/>
                   </a:solidFill>
@@ -4365,7 +5405,7 @@
             </a:ln>
             <a:extLst>
               <a:ext uri="{91240B29-F687-4f45-9708-019B960494DF}">
-                <a14:hiddenLine xmlns:a14="http://schemas.microsoft.com/office/drawing/2010/main" xmlns="" w="9525">
+                <a14:hiddenLine xmlns="" xmlns:a14="http://schemas.microsoft.com/office/drawing/2010/main" w="9525">
                   <a:solidFill>
                     <a:srgbClr val="000000"/>
                   </a:solidFill>
@@ -4455,7 +5495,7 @@
             </a:ln>
             <a:extLst>
               <a:ext uri="{91240B29-F687-4f45-9708-019B960494DF}">
-                <a14:hiddenLine xmlns:a14="http://schemas.microsoft.com/office/drawing/2010/main" xmlns="" w="9525">
+                <a14:hiddenLine xmlns="" xmlns:a14="http://schemas.microsoft.com/office/drawing/2010/main" w="9525">
                   <a:solidFill>
                     <a:srgbClr val="000000"/>
                   </a:solidFill>
@@ -4517,7 +5557,7 @@
             </a:ln>
             <a:extLst>
               <a:ext uri="{91240B29-F687-4f45-9708-019B960494DF}">
-                <a14:hiddenLine xmlns:a14="http://schemas.microsoft.com/office/drawing/2010/main" xmlns="" w="9525">
+                <a14:hiddenLine xmlns="" xmlns:a14="http://schemas.microsoft.com/office/drawing/2010/main" w="9525">
                   <a:solidFill>
                     <a:srgbClr val="000000"/>
                   </a:solidFill>
@@ -4637,7 +5677,7 @@
             </a:ln>
             <a:extLst>
               <a:ext uri="{91240B29-F687-4f45-9708-019B960494DF}">
-                <a14:hiddenLine xmlns:a14="http://schemas.microsoft.com/office/drawing/2010/main" xmlns="" w="9525">
+                <a14:hiddenLine xmlns="" xmlns:a14="http://schemas.microsoft.com/office/drawing/2010/main" w="9525">
                   <a:solidFill>
                     <a:srgbClr val="000000"/>
                   </a:solidFill>
@@ -4705,7 +5745,7 @@
             </a:ln>
             <a:extLst>
               <a:ext uri="{91240B29-F687-4f45-9708-019B960494DF}">
-                <a14:hiddenLine xmlns:a14="http://schemas.microsoft.com/office/drawing/2010/main" xmlns="" w="9525">
+                <a14:hiddenLine xmlns="" xmlns:a14="http://schemas.microsoft.com/office/drawing/2010/main" w="9525">
                   <a:solidFill>
                     <a:srgbClr val="000000"/>
                   </a:solidFill>
@@ -4795,7 +5835,7 @@
             </a:ln>
             <a:extLst>
               <a:ext uri="{91240B29-F687-4f45-9708-019B960494DF}">
-                <a14:hiddenLine xmlns:a14="http://schemas.microsoft.com/office/drawing/2010/main" xmlns="" w="9525">
+                <a14:hiddenLine xmlns="" xmlns:a14="http://schemas.microsoft.com/office/drawing/2010/main" w="9525">
                   <a:solidFill>
                     <a:srgbClr val="000000"/>
                   </a:solidFill>
@@ -4935,7 +5975,7 @@
           <a:p>
             <a:fld id="{A05D1941-B496-4311-AA0A-CBDC76685632}" type="datetimeFigureOut">
               <a:rPr lang="de-DE" smtClean="0"/>
-              <a:t>24.06.2014</a:t>
+              <a:t>25.06.2014</a:t>
             </a:fld>
             <a:endParaRPr lang="de-DE"/>
           </a:p>
@@ -5202,7 +6242,7 @@
           <a:p>
             <a:fld id="{A05D1941-B496-4311-AA0A-CBDC76685632}" type="datetimeFigureOut">
               <a:rPr lang="de-DE" smtClean="0"/>
-              <a:t>24.06.2014</a:t>
+              <a:t>25.06.2014</a:t>
             </a:fld>
             <a:endParaRPr lang="de-DE"/>
           </a:p>
@@ -5398,7 +6438,7 @@
           <a:p>
             <a:fld id="{A05D1941-B496-4311-AA0A-CBDC76685632}" type="datetimeFigureOut">
               <a:rPr lang="de-DE" smtClean="0"/>
-              <a:t>24.06.2014</a:t>
+              <a:t>25.06.2014</a:t>
             </a:fld>
             <a:endParaRPr lang="de-DE"/>
           </a:p>
@@ -5661,7 +6701,7 @@
           <a:p>
             <a:fld id="{A05D1941-B496-4311-AA0A-CBDC76685632}" type="datetimeFigureOut">
               <a:rPr lang="de-DE" smtClean="0"/>
-              <a:t>24.06.2014</a:t>
+              <a:t>25.06.2014</a:t>
             </a:fld>
             <a:endParaRPr lang="de-DE"/>
           </a:p>
@@ -6095,7 +7135,7 @@
           <a:p>
             <a:fld id="{A05D1941-B496-4311-AA0A-CBDC76685632}" type="datetimeFigureOut">
               <a:rPr lang="de-DE" smtClean="0"/>
-              <a:t>24.06.2014</a:t>
+              <a:t>25.06.2014</a:t>
             </a:fld>
             <a:endParaRPr lang="de-DE"/>
           </a:p>
@@ -6641,7 +7681,7 @@
           <a:p>
             <a:fld id="{A05D1941-B496-4311-AA0A-CBDC76685632}" type="datetimeFigureOut">
               <a:rPr lang="de-DE" smtClean="0"/>
-              <a:t>24.06.2014</a:t>
+              <a:t>25.06.2014</a:t>
             </a:fld>
             <a:endParaRPr lang="de-DE"/>
           </a:p>
@@ -7361,7 +8401,7 @@
           <a:p>
             <a:fld id="{A05D1941-B496-4311-AA0A-CBDC76685632}" type="datetimeFigureOut">
               <a:rPr lang="de-DE" smtClean="0"/>
-              <a:t>24.06.2014</a:t>
+              <a:t>25.06.2014</a:t>
             </a:fld>
             <a:endParaRPr lang="de-DE"/>
           </a:p>
@@ -7531,7 +8571,7 @@
           <a:p>
             <a:fld id="{A05D1941-B496-4311-AA0A-CBDC76685632}" type="datetimeFigureOut">
               <a:rPr lang="de-DE" smtClean="0"/>
-              <a:t>24.06.2014</a:t>
+              <a:t>25.06.2014</a:t>
             </a:fld>
             <a:endParaRPr lang="de-DE"/>
           </a:p>
@@ -7711,7 +8751,7 @@
           <a:p>
             <a:fld id="{A05D1941-B496-4311-AA0A-CBDC76685632}" type="datetimeFigureOut">
               <a:rPr lang="de-DE" smtClean="0"/>
-              <a:t>24.06.2014</a:t>
+              <a:t>25.06.2014</a:t>
             </a:fld>
             <a:endParaRPr lang="de-DE"/>
           </a:p>
@@ -7881,7 +8921,7 @@
           <a:p>
             <a:fld id="{A05D1941-B496-4311-AA0A-CBDC76685632}" type="datetimeFigureOut">
               <a:rPr lang="de-DE" smtClean="0"/>
-              <a:t>24.06.2014</a:t>
+              <a:t>25.06.2014</a:t>
             </a:fld>
             <a:endParaRPr lang="de-DE"/>
           </a:p>
@@ -8131,7 +9171,7 @@
           <a:p>
             <a:fld id="{A05D1941-B496-4311-AA0A-CBDC76685632}" type="datetimeFigureOut">
               <a:rPr lang="de-DE" smtClean="0"/>
-              <a:t>24.06.2014</a:t>
+              <a:t>25.06.2014</a:t>
             </a:fld>
             <a:endParaRPr lang="de-DE"/>
           </a:p>
@@ -8363,7 +9403,7 @@
           <a:p>
             <a:fld id="{A05D1941-B496-4311-AA0A-CBDC76685632}" type="datetimeFigureOut">
               <a:rPr lang="de-DE" smtClean="0"/>
-              <a:t>24.06.2014</a:t>
+              <a:t>25.06.2014</a:t>
             </a:fld>
             <a:endParaRPr lang="de-DE"/>
           </a:p>
@@ -8744,7 +9784,7 @@
           <a:p>
             <a:fld id="{A05D1941-B496-4311-AA0A-CBDC76685632}" type="datetimeFigureOut">
               <a:rPr lang="de-DE" smtClean="0"/>
-              <a:t>24.06.2014</a:t>
+              <a:t>25.06.2014</a:t>
             </a:fld>
             <a:endParaRPr lang="de-DE"/>
           </a:p>
@@ -8862,7 +9902,7 @@
           <a:p>
             <a:fld id="{A05D1941-B496-4311-AA0A-CBDC76685632}" type="datetimeFigureOut">
               <a:rPr lang="de-DE" smtClean="0"/>
-              <a:t>24.06.2014</a:t>
+              <a:t>25.06.2014</a:t>
             </a:fld>
             <a:endParaRPr lang="de-DE"/>
           </a:p>
@@ -8957,7 +9997,7 @@
           <a:p>
             <a:fld id="{A05D1941-B496-4311-AA0A-CBDC76685632}" type="datetimeFigureOut">
               <a:rPr lang="de-DE" smtClean="0"/>
-              <a:t>24.06.2014</a:t>
+              <a:t>25.06.2014</a:t>
             </a:fld>
             <a:endParaRPr lang="de-DE"/>
           </a:p>
@@ -9206,7 +10246,7 @@
           <a:p>
             <a:fld id="{A05D1941-B496-4311-AA0A-CBDC76685632}" type="datetimeFigureOut">
               <a:rPr lang="de-DE" smtClean="0"/>
-              <a:t>24.06.2014</a:t>
+              <a:t>25.06.2014</a:t>
             </a:fld>
             <a:endParaRPr lang="de-DE"/>
           </a:p>
@@ -9486,7 +10526,7 @@
           <a:p>
             <a:fld id="{A05D1941-B496-4311-AA0A-CBDC76685632}" type="datetimeFigureOut">
               <a:rPr lang="de-DE" smtClean="0"/>
-              <a:t>24.06.2014</a:t>
+              <a:t>25.06.2014</a:t>
             </a:fld>
             <a:endParaRPr lang="de-DE"/>
           </a:p>
@@ -9609,7 +10649,7 @@
           <a:noFill/>
           <a:extLst>
             <a:ext uri="{909E8E84-426E-40dd-AFC4-6F175D3DCCD1}">
-              <a14:hiddenFill xmlns:a14="http://schemas.microsoft.com/office/drawing/2010/main" xmlns="">
+              <a14:hiddenFill xmlns="" xmlns:a14="http://schemas.microsoft.com/office/drawing/2010/main">
                 <a:solidFill>
                   <a:srgbClr val="FFFFFF"/>
                 </a:solidFill>
@@ -9683,7 +10723,7 @@
               </a:ln>
               <a:extLst>
                 <a:ext uri="{91240B29-F687-4f45-9708-019B960494DF}">
-                  <a14:hiddenLine xmlns:a14="http://schemas.microsoft.com/office/drawing/2010/main" xmlns="" w="9525">
+                  <a14:hiddenLine xmlns="" xmlns:a14="http://schemas.microsoft.com/office/drawing/2010/main" w="9525">
                     <a:solidFill>
                       <a:srgbClr val="000000"/>
                     </a:solidFill>
@@ -9773,7 +10813,7 @@
               </a:ln>
               <a:extLst>
                 <a:ext uri="{91240B29-F687-4f45-9708-019B960494DF}">
-                  <a14:hiddenLine xmlns:a14="http://schemas.microsoft.com/office/drawing/2010/main" xmlns="" w="9525">
+                  <a14:hiddenLine xmlns="" xmlns:a14="http://schemas.microsoft.com/office/drawing/2010/main" w="9525">
                     <a:solidFill>
                       <a:srgbClr val="000000"/>
                     </a:solidFill>
@@ -9863,7 +10903,7 @@
               </a:ln>
               <a:extLst>
                 <a:ext uri="{91240B29-F687-4f45-9708-019B960494DF}">
-                  <a14:hiddenLine xmlns:a14="http://schemas.microsoft.com/office/drawing/2010/main" xmlns="" w="9525">
+                  <a14:hiddenLine xmlns="" xmlns:a14="http://schemas.microsoft.com/office/drawing/2010/main" w="9525">
                     <a:solidFill>
                       <a:srgbClr val="000000"/>
                     </a:solidFill>
@@ -9925,7 +10965,7 @@
               </a:ln>
               <a:extLst>
                 <a:ext uri="{91240B29-F687-4f45-9708-019B960494DF}">
-                  <a14:hiddenLine xmlns:a14="http://schemas.microsoft.com/office/drawing/2010/main" xmlns="" w="9525">
+                  <a14:hiddenLine xmlns="" xmlns:a14="http://schemas.microsoft.com/office/drawing/2010/main" w="9525">
                     <a:solidFill>
                       <a:srgbClr val="000000"/>
                     </a:solidFill>
@@ -10015,7 +11055,7 @@
               </a:ln>
               <a:extLst>
                 <a:ext uri="{91240B29-F687-4f45-9708-019B960494DF}">
-                  <a14:hiddenLine xmlns:a14="http://schemas.microsoft.com/office/drawing/2010/main" xmlns="" w="9525">
+                  <a14:hiddenLine xmlns="" xmlns:a14="http://schemas.microsoft.com/office/drawing/2010/main" w="9525">
                     <a:solidFill>
                       <a:srgbClr val="000000"/>
                     </a:solidFill>
@@ -10077,7 +11117,7 @@
               </a:ln>
               <a:extLst>
                 <a:ext uri="{91240B29-F687-4f45-9708-019B960494DF}">
-                  <a14:hiddenLine xmlns:a14="http://schemas.microsoft.com/office/drawing/2010/main" xmlns="" w="9525">
+                  <a14:hiddenLine xmlns="" xmlns:a14="http://schemas.microsoft.com/office/drawing/2010/main" w="9525">
                     <a:solidFill>
                       <a:srgbClr val="000000"/>
                     </a:solidFill>
@@ -10139,7 +11179,7 @@
               </a:ln>
               <a:extLst>
                 <a:ext uri="{91240B29-F687-4f45-9708-019B960494DF}">
-                  <a14:hiddenLine xmlns:a14="http://schemas.microsoft.com/office/drawing/2010/main" xmlns="" w="9525">
+                  <a14:hiddenLine xmlns="" xmlns:a14="http://schemas.microsoft.com/office/drawing/2010/main" w="9525">
                     <a:solidFill>
                       <a:srgbClr val="000000"/>
                     </a:solidFill>
@@ -10229,7 +11269,7 @@
               </a:ln>
               <a:extLst>
                 <a:ext uri="{91240B29-F687-4f45-9708-019B960494DF}">
-                  <a14:hiddenLine xmlns:a14="http://schemas.microsoft.com/office/drawing/2010/main" xmlns="" w="9525">
+                  <a14:hiddenLine xmlns="" xmlns:a14="http://schemas.microsoft.com/office/drawing/2010/main" w="9525">
                     <a:solidFill>
                       <a:srgbClr val="000000"/>
                     </a:solidFill>
@@ -10319,7 +11359,7 @@
               </a:ln>
               <a:extLst>
                 <a:ext uri="{91240B29-F687-4f45-9708-019B960494DF}">
-                  <a14:hiddenLine xmlns:a14="http://schemas.microsoft.com/office/drawing/2010/main" xmlns="" w="9525">
+                  <a14:hiddenLine xmlns="" xmlns:a14="http://schemas.microsoft.com/office/drawing/2010/main" w="9525">
                     <a:solidFill>
                       <a:srgbClr val="000000"/>
                     </a:solidFill>
@@ -10381,7 +11421,7 @@
               </a:ln>
               <a:extLst>
                 <a:ext uri="{91240B29-F687-4f45-9708-019B960494DF}">
-                  <a14:hiddenLine xmlns:a14="http://schemas.microsoft.com/office/drawing/2010/main" xmlns="" w="9525">
+                  <a14:hiddenLine xmlns="" xmlns:a14="http://schemas.microsoft.com/office/drawing/2010/main" w="9525">
                     <a:solidFill>
                       <a:srgbClr val="000000"/>
                     </a:solidFill>
@@ -10491,7 +11531,7 @@
               </a:ln>
               <a:extLst>
                 <a:ext uri="{91240B29-F687-4f45-9708-019B960494DF}">
-                  <a14:hiddenLine xmlns:a14="http://schemas.microsoft.com/office/drawing/2010/main" xmlns="" w="9525">
+                  <a14:hiddenLine xmlns="" xmlns:a14="http://schemas.microsoft.com/office/drawing/2010/main" w="9525">
                     <a:solidFill>
                       <a:srgbClr val="000000"/>
                     </a:solidFill>
@@ -10575,7 +11615,7 @@
               </a:ln>
               <a:extLst>
                 <a:ext uri="{91240B29-F687-4f45-9708-019B960494DF}">
-                  <a14:hiddenLine xmlns:a14="http://schemas.microsoft.com/office/drawing/2010/main" xmlns="" w="9525">
+                  <a14:hiddenLine xmlns="" xmlns:a14="http://schemas.microsoft.com/office/drawing/2010/main" w="9525">
                     <a:solidFill>
                       <a:srgbClr val="000000"/>
                     </a:solidFill>
@@ -10637,7 +11677,7 @@
               </a:ln>
               <a:extLst>
                 <a:ext uri="{91240B29-F687-4f45-9708-019B960494DF}">
-                  <a14:hiddenLine xmlns:a14="http://schemas.microsoft.com/office/drawing/2010/main" xmlns="" w="9525">
+                  <a14:hiddenLine xmlns="" xmlns:a14="http://schemas.microsoft.com/office/drawing/2010/main" w="9525">
                     <a:solidFill>
                       <a:srgbClr val="000000"/>
                     </a:solidFill>
@@ -10699,7 +11739,7 @@
               </a:ln>
               <a:extLst>
                 <a:ext uri="{91240B29-F687-4f45-9708-019B960494DF}">
-                  <a14:hiddenLine xmlns:a14="http://schemas.microsoft.com/office/drawing/2010/main" xmlns="" w="9525">
+                  <a14:hiddenLine xmlns="" xmlns:a14="http://schemas.microsoft.com/office/drawing/2010/main" w="9525">
                     <a:solidFill>
                       <a:srgbClr val="000000"/>
                     </a:solidFill>
@@ -10789,7 +11829,7 @@
               </a:ln>
               <a:extLst>
                 <a:ext uri="{91240B29-F687-4f45-9708-019B960494DF}">
-                  <a14:hiddenLine xmlns:a14="http://schemas.microsoft.com/office/drawing/2010/main" xmlns="" w="9525">
+                  <a14:hiddenLine xmlns="" xmlns:a14="http://schemas.microsoft.com/office/drawing/2010/main" w="9525">
                     <a:solidFill>
                       <a:srgbClr val="000000"/>
                     </a:solidFill>
@@ -10823,7 +11863,7 @@
               </a:ln>
               <a:extLst>
                 <a:ext uri="{91240B29-F687-4f45-9708-019B960494DF}">
-                  <a14:hiddenLine xmlns:a14="http://schemas.microsoft.com/office/drawing/2010/main" xmlns="" w="9525">
+                  <a14:hiddenLine xmlns="" xmlns:a14="http://schemas.microsoft.com/office/drawing/2010/main" w="9525">
                     <a:solidFill>
                       <a:srgbClr val="000000"/>
                     </a:solidFill>
@@ -10888,7 +11928,7 @@
               </a:ln>
               <a:extLst>
                 <a:ext uri="{91240B29-F687-4f45-9708-019B960494DF}">
-                  <a14:hiddenLine xmlns:a14="http://schemas.microsoft.com/office/drawing/2010/main" xmlns="" w="9525">
+                  <a14:hiddenLine xmlns="" xmlns:a14="http://schemas.microsoft.com/office/drawing/2010/main" w="9525">
                     <a:solidFill>
                       <a:srgbClr val="000000"/>
                     </a:solidFill>
@@ -10978,7 +12018,7 @@
               </a:ln>
               <a:extLst>
                 <a:ext uri="{91240B29-F687-4f45-9708-019B960494DF}">
-                  <a14:hiddenLine xmlns:a14="http://schemas.microsoft.com/office/drawing/2010/main" xmlns="" w="9525">
+                  <a14:hiddenLine xmlns="" xmlns:a14="http://schemas.microsoft.com/office/drawing/2010/main" w="9525">
                     <a:solidFill>
                       <a:srgbClr val="000000"/>
                     </a:solidFill>
@@ -11040,7 +12080,7 @@
               </a:ln>
               <a:extLst>
                 <a:ext uri="{91240B29-F687-4f45-9708-019B960494DF}">
-                  <a14:hiddenLine xmlns:a14="http://schemas.microsoft.com/office/drawing/2010/main" xmlns="" w="9525">
+                  <a14:hiddenLine xmlns="" xmlns:a14="http://schemas.microsoft.com/office/drawing/2010/main" w="9525">
                     <a:solidFill>
                       <a:srgbClr val="000000"/>
                     </a:solidFill>
@@ -11130,7 +12170,7 @@
               </a:ln>
               <a:extLst>
                 <a:ext uri="{91240B29-F687-4f45-9708-019B960494DF}">
-                  <a14:hiddenLine xmlns:a14="http://schemas.microsoft.com/office/drawing/2010/main" xmlns="" w="9525">
+                  <a14:hiddenLine xmlns="" xmlns:a14="http://schemas.microsoft.com/office/drawing/2010/main" w="9525">
                     <a:solidFill>
                       <a:srgbClr val="000000"/>
                     </a:solidFill>
@@ -11195,7 +12235,7 @@
               </a:ln>
               <a:extLst>
                 <a:ext uri="{91240B29-F687-4f45-9708-019B960494DF}">
-                  <a14:hiddenLine xmlns:a14="http://schemas.microsoft.com/office/drawing/2010/main" xmlns="" w="9525">
+                  <a14:hiddenLine xmlns="" xmlns:a14="http://schemas.microsoft.com/office/drawing/2010/main" w="9525">
                     <a:solidFill>
                       <a:srgbClr val="000000"/>
                     </a:solidFill>
@@ -11257,7 +12297,7 @@
               </a:ln>
               <a:extLst>
                 <a:ext uri="{91240B29-F687-4f45-9708-019B960494DF}">
-                  <a14:hiddenLine xmlns:a14="http://schemas.microsoft.com/office/drawing/2010/main" xmlns="" w="9525">
+                  <a14:hiddenLine xmlns="" xmlns:a14="http://schemas.microsoft.com/office/drawing/2010/main" w="9525">
                     <a:solidFill>
                       <a:srgbClr val="000000"/>
                     </a:solidFill>
@@ -11347,7 +12387,7 @@
               </a:ln>
               <a:extLst>
                 <a:ext uri="{91240B29-F687-4f45-9708-019B960494DF}">
-                  <a14:hiddenLine xmlns:a14="http://schemas.microsoft.com/office/drawing/2010/main" xmlns="" w="9525">
+                  <a14:hiddenLine xmlns="" xmlns:a14="http://schemas.microsoft.com/office/drawing/2010/main" w="9525">
                     <a:solidFill>
                       <a:srgbClr val="000000"/>
                     </a:solidFill>
@@ -11437,7 +12477,7 @@
               </a:ln>
               <a:extLst>
                 <a:ext uri="{91240B29-F687-4f45-9708-019B960494DF}">
-                  <a14:hiddenLine xmlns:a14="http://schemas.microsoft.com/office/drawing/2010/main" xmlns="" w="9525">
+                  <a14:hiddenLine xmlns="" xmlns:a14="http://schemas.microsoft.com/office/drawing/2010/main" w="9525">
                     <a:solidFill>
                       <a:srgbClr val="000000"/>
                     </a:solidFill>
@@ -11502,7 +12542,7 @@
               </a:ln>
               <a:extLst>
                 <a:ext uri="{91240B29-F687-4f45-9708-019B960494DF}">
-                  <a14:hiddenLine xmlns:a14="http://schemas.microsoft.com/office/drawing/2010/main" xmlns="" w="9525">
+                  <a14:hiddenLine xmlns="" xmlns:a14="http://schemas.microsoft.com/office/drawing/2010/main" w="9525">
                     <a:solidFill>
                       <a:srgbClr val="000000"/>
                     </a:solidFill>
@@ -11622,7 +12662,7 @@
               </a:ln>
               <a:extLst>
                 <a:ext uri="{91240B29-F687-4f45-9708-019B960494DF}">
-                  <a14:hiddenLine xmlns:a14="http://schemas.microsoft.com/office/drawing/2010/main" xmlns="" w="9525">
+                  <a14:hiddenLine xmlns="" xmlns:a14="http://schemas.microsoft.com/office/drawing/2010/main" w="9525">
                     <a:solidFill>
                       <a:srgbClr val="000000"/>
                     </a:solidFill>
@@ -11720,7 +12760,7 @@
               </a:ln>
               <a:extLst>
                 <a:ext uri="{91240B29-F687-4f45-9708-019B960494DF}">
-                  <a14:hiddenLine xmlns:a14="http://schemas.microsoft.com/office/drawing/2010/main" xmlns="" w="9525">
+                  <a14:hiddenLine xmlns="" xmlns:a14="http://schemas.microsoft.com/office/drawing/2010/main" w="9525">
                     <a:solidFill>
                       <a:srgbClr val="000000"/>
                     </a:solidFill>
@@ -11835,7 +12875,7 @@
               </a:ln>
               <a:extLst>
                 <a:ext uri="{91240B29-F687-4f45-9708-019B960494DF}">
-                  <a14:hiddenLine xmlns:a14="http://schemas.microsoft.com/office/drawing/2010/main" xmlns="" w="9525">
+                  <a14:hiddenLine xmlns="" xmlns:a14="http://schemas.microsoft.com/office/drawing/2010/main" w="9525">
                     <a:solidFill>
                       <a:srgbClr val="000000"/>
                     </a:solidFill>
@@ -11925,7 +12965,7 @@
               </a:ln>
               <a:extLst>
                 <a:ext uri="{91240B29-F687-4f45-9708-019B960494DF}">
-                  <a14:hiddenLine xmlns:a14="http://schemas.microsoft.com/office/drawing/2010/main" xmlns="" w="9525">
+                  <a14:hiddenLine xmlns="" xmlns:a14="http://schemas.microsoft.com/office/drawing/2010/main" w="9525">
                     <a:solidFill>
                       <a:srgbClr val="000000"/>
                     </a:solidFill>
@@ -11990,7 +13030,7 @@
               </a:ln>
               <a:extLst>
                 <a:ext uri="{91240B29-F687-4f45-9708-019B960494DF}">
-                  <a14:hiddenLine xmlns:a14="http://schemas.microsoft.com/office/drawing/2010/main" xmlns="" w="9525">
+                  <a14:hiddenLine xmlns="" xmlns:a14="http://schemas.microsoft.com/office/drawing/2010/main" w="9525">
                     <a:solidFill>
                       <a:srgbClr val="000000"/>
                     </a:solidFill>
@@ -12080,7 +13120,7 @@
               </a:ln>
               <a:extLst>
                 <a:ext uri="{91240B29-F687-4f45-9708-019B960494DF}">
-                  <a14:hiddenLine xmlns:a14="http://schemas.microsoft.com/office/drawing/2010/main" xmlns="" w="9525">
+                  <a14:hiddenLine xmlns="" xmlns:a14="http://schemas.microsoft.com/office/drawing/2010/main" w="9525">
                     <a:solidFill>
                       <a:srgbClr val="000000"/>
                     </a:solidFill>
@@ -12148,7 +13188,7 @@
               </a:ln>
               <a:extLst>
                 <a:ext uri="{91240B29-F687-4f45-9708-019B960494DF}">
-                  <a14:hiddenLine xmlns:a14="http://schemas.microsoft.com/office/drawing/2010/main" xmlns="" w="9525">
+                  <a14:hiddenLine xmlns="" xmlns:a14="http://schemas.microsoft.com/office/drawing/2010/main" w="9525">
                     <a:solidFill>
                       <a:srgbClr val="000000"/>
                     </a:solidFill>
@@ -12238,7 +13278,7 @@
               </a:ln>
               <a:extLst>
                 <a:ext uri="{91240B29-F687-4f45-9708-019B960494DF}">
-                  <a14:hiddenLine xmlns:a14="http://schemas.microsoft.com/office/drawing/2010/main" xmlns="" w="9525">
+                  <a14:hiddenLine xmlns="" xmlns:a14="http://schemas.microsoft.com/office/drawing/2010/main" w="9525">
                     <a:solidFill>
                       <a:srgbClr val="000000"/>
                     </a:solidFill>
@@ -12306,7 +13346,7 @@
               </a:ln>
               <a:extLst>
                 <a:ext uri="{91240B29-F687-4f45-9708-019B960494DF}">
-                  <a14:hiddenLine xmlns:a14="http://schemas.microsoft.com/office/drawing/2010/main" xmlns="" w="9525">
+                  <a14:hiddenLine xmlns="" xmlns:a14="http://schemas.microsoft.com/office/drawing/2010/main" w="9525">
                     <a:solidFill>
                       <a:srgbClr val="000000"/>
                     </a:solidFill>
@@ -12396,7 +13436,7 @@
               </a:ln>
               <a:extLst>
                 <a:ext uri="{91240B29-F687-4f45-9708-019B960494DF}">
-                  <a14:hiddenLine xmlns:a14="http://schemas.microsoft.com/office/drawing/2010/main" xmlns="" w="9525">
+                  <a14:hiddenLine xmlns="" xmlns:a14="http://schemas.microsoft.com/office/drawing/2010/main" w="9525">
                     <a:solidFill>
                       <a:srgbClr val="000000"/>
                     </a:solidFill>
@@ -12430,7 +13470,7 @@
               </a:ln>
               <a:extLst>
                 <a:ext uri="{91240B29-F687-4f45-9708-019B960494DF}">
-                  <a14:hiddenLine xmlns:a14="http://schemas.microsoft.com/office/drawing/2010/main" xmlns="" w="9525">
+                  <a14:hiddenLine xmlns="" xmlns:a14="http://schemas.microsoft.com/office/drawing/2010/main" w="9525">
                     <a:solidFill>
                       <a:srgbClr val="000000"/>
                     </a:solidFill>
@@ -12570,7 +13610,7 @@
           <a:p>
             <a:fld id="{A05D1941-B496-4311-AA0A-CBDC76685632}" type="datetimeFigureOut">
               <a:rPr lang="de-DE" smtClean="0"/>
-              <a:t>24.06.2014</a:t>
+              <a:t>25.06.2014</a:t>
             </a:fld>
             <a:endParaRPr lang="de-DE"/>
           </a:p>
@@ -13140,20 +14180,20 @@
           <a:lstStyle/>
           <a:p>
             <a:r>
-              <a:rPr lang="de-DE" sz="4800" dirty="0" err="1" smtClean="0"/>
+              <a:rPr lang="de-DE" sz="4800" dirty="0" err="1"/>
               <a:t>profiling</a:t>
             </a:r>
             <a:r>
+              <a:rPr lang="de-DE" sz="4800" dirty="0"/>
+              <a:t> </a:t>
+            </a:r>
+            <a:r>
               <a:rPr lang="de-DE" sz="4800" dirty="0" smtClean="0"/>
-              <a:t> </a:t>
-            </a:r>
-            <a:r>
-              <a:rPr lang="de-DE" sz="4800" dirty="0" err="1" smtClean="0"/>
-              <a:t>tests</a:t>
+              <a:t>Memory </a:t>
             </a:r>
             <a:r>
               <a:rPr lang="de-DE" sz="4800" dirty="0" smtClean="0"/>
-              <a:t> mit </a:t>
+              <a:t>mit </a:t>
             </a:r>
             <a:r>
               <a:rPr lang="de-DE" sz="4800" dirty="0" err="1" smtClean="0"/>
@@ -13165,14 +14205,14 @@
       </p:sp>
       <p:pic>
         <p:nvPicPr>
-          <p:cNvPr id="5" name="Grafik 4"/>
+          <p:cNvPr id="3" name="Grafik 2"/>
           <p:cNvPicPr>
             <a:picLocks noChangeAspect="1"/>
           </p:cNvPicPr>
           <p:nvPr/>
         </p:nvPicPr>
         <p:blipFill>
-          <a:blip r:embed="rId2">
+          <a:blip r:embed="rId3">
             <a:extLst>
               <a:ext uri="{28A0092B-C50C-407E-A947-70E740481C1C}">
                 <a14:useLocalDpi xmlns:a14="http://schemas.microsoft.com/office/drawing/2010/main" val="0"/>
@@ -13185,48 +14225,18 @@
         </p:blipFill>
         <p:spPr>
           <a:xfrm>
-            <a:off x="1141413" y="2418972"/>
-            <a:ext cx="9783540" cy="2705478"/>
+            <a:off x="980393" y="1921658"/>
+            <a:ext cx="9774014" cy="4582164"/>
           </a:xfrm>
           <a:prstGeom prst="rect">
             <a:avLst/>
           </a:prstGeom>
         </p:spPr>
       </p:pic>
-      <p:sp>
-        <p:nvSpPr>
-          <p:cNvPr id="6" name="Textfeld 5"/>
-          <p:cNvSpPr txBox="1"/>
-          <p:nvPr/>
-        </p:nvSpPr>
-        <p:spPr>
-          <a:xfrm>
-            <a:off x="980393" y="1400158"/>
-            <a:ext cx="2753408" cy="646331"/>
-          </a:xfrm>
-          <a:prstGeom prst="rect">
-            <a:avLst/>
-          </a:prstGeom>
-          <a:noFill/>
-        </p:spPr>
-        <p:txBody>
-          <a:bodyPr wrap="square" rtlCol="0">
-            <a:spAutoFit/>
-          </a:bodyPr>
-          <a:lstStyle/>
-          <a:p>
-            <a:r>
-              <a:rPr lang="de-DE" sz="3600" dirty="0" smtClean="0"/>
-              <a:t>Kein User</a:t>
-            </a:r>
-            <a:endParaRPr lang="de-DE" sz="3600" dirty="0"/>
-          </a:p>
-        </p:txBody>
-      </p:sp>
     </p:spTree>
     <p:extLst>
       <p:ext uri="{BB962C8B-B14F-4D97-AF65-F5344CB8AC3E}">
-        <p14:creationId xmlns:p14="http://schemas.microsoft.com/office/powerpoint/2010/main" val="2953061724"/>
+        <p14:creationId xmlns:p14="http://schemas.microsoft.com/office/powerpoint/2010/main" val="3301592890"/>
       </p:ext>
     </p:extLst>
   </p:cSld>
@@ -13291,12 +14301,12 @@
               <a:t> </a:t>
             </a:r>
             <a:r>
-              <a:rPr lang="de-DE" sz="4800" dirty="0" err="1" smtClean="0"/>
-              <a:t>tests</a:t>
-            </a:r>
-            <a:r>
               <a:rPr lang="de-DE" sz="4800" dirty="0" smtClean="0"/>
-              <a:t> mit </a:t>
+              <a:t>Login </a:t>
+            </a:r>
+            <a:r>
+              <a:rPr lang="de-DE" sz="4800" dirty="0" smtClean="0"/>
+              <a:t>mit </a:t>
             </a:r>
             <a:r>
               <a:rPr lang="de-DE" sz="4800" dirty="0" err="1" smtClean="0"/>
@@ -13315,7 +14325,7 @@
           <p:nvPr/>
         </p:nvPicPr>
         <p:blipFill>
-          <a:blip r:embed="rId2">
+          <a:blip r:embed="rId3">
             <a:extLst>
               <a:ext uri="{28A0092B-C50C-407E-A947-70E740481C1C}">
                 <a14:useLocalDpi xmlns:a14="http://schemas.microsoft.com/office/drawing/2010/main" val="0"/>
@@ -13328,8 +14338,8 @@
         </p:blipFill>
         <p:spPr>
           <a:xfrm>
-            <a:off x="779463" y="1978808"/>
-            <a:ext cx="9745435" cy="4563112"/>
+            <a:off x="2207669" y="1674008"/>
+            <a:ext cx="7773485" cy="4858428"/>
           </a:xfrm>
           <a:prstGeom prst="rect">
             <a:avLst/>
@@ -13344,8 +14354,8 @@
         </p:nvSpPr>
         <p:spPr>
           <a:xfrm>
-            <a:off x="980393" y="1350842"/>
-            <a:ext cx="2753408" cy="646331"/>
+            <a:off x="2074301" y="1304676"/>
+            <a:ext cx="2797112" cy="369332"/>
           </a:xfrm>
           <a:prstGeom prst="rect">
             <a:avLst/>
@@ -13353,23 +14363,23 @@
           <a:noFill/>
         </p:spPr>
         <p:txBody>
-          <a:bodyPr wrap="square" rtlCol="0">
+          <a:bodyPr wrap="none" rtlCol="0">
             <a:spAutoFit/>
           </a:bodyPr>
           <a:lstStyle/>
           <a:p>
             <a:r>
-              <a:rPr lang="de-DE" sz="3600" dirty="0" smtClean="0"/>
-              <a:t>Ein User</a:t>
-            </a:r>
-            <a:endParaRPr lang="de-DE" sz="3600" dirty="0"/>
+              <a:rPr lang="de-DE" dirty="0" smtClean="0"/>
+              <a:t>500 Anfragen mit 5 Threads</a:t>
+            </a:r>
+            <a:endParaRPr lang="de-DE" dirty="0"/>
           </a:p>
         </p:txBody>
       </p:sp>
     </p:spTree>
     <p:extLst>
       <p:ext uri="{BB962C8B-B14F-4D97-AF65-F5344CB8AC3E}">
-        <p14:creationId xmlns:p14="http://schemas.microsoft.com/office/powerpoint/2010/main" val="2740555964"/>
+        <p14:creationId xmlns:p14="http://schemas.microsoft.com/office/powerpoint/2010/main" val="3311313227"/>
       </p:ext>
     </p:extLst>
   </p:cSld>
@@ -13434,12 +14444,12 @@
               <a:t> </a:t>
             </a:r>
             <a:r>
-              <a:rPr lang="de-DE" sz="4800" dirty="0" err="1" smtClean="0"/>
-              <a:t>tests</a:t>
-            </a:r>
-            <a:r>
               <a:rPr lang="de-DE" sz="4800" dirty="0" smtClean="0"/>
-              <a:t> mit </a:t>
+              <a:t>Login </a:t>
+            </a:r>
+            <a:r>
+              <a:rPr lang="de-DE" sz="4800" dirty="0" smtClean="0"/>
+              <a:t>mit </a:t>
             </a:r>
             <a:r>
               <a:rPr lang="de-DE" sz="4800" dirty="0" err="1" smtClean="0"/>
@@ -13451,14 +14461,14 @@
       </p:sp>
       <p:pic>
         <p:nvPicPr>
-          <p:cNvPr id="3" name="Grafik 2"/>
+          <p:cNvPr id="5" name="Grafik 4"/>
           <p:cNvPicPr>
             <a:picLocks noChangeAspect="1"/>
           </p:cNvPicPr>
           <p:nvPr/>
         </p:nvPicPr>
         <p:blipFill>
-          <a:blip r:embed="rId2">
+          <a:blip r:embed="rId3">
             <a:extLst>
               <a:ext uri="{28A0092B-C50C-407E-A947-70E740481C1C}">
                 <a14:useLocalDpi xmlns:a14="http://schemas.microsoft.com/office/drawing/2010/main" val="0"/>
@@ -13471,8 +14481,8 @@
         </p:blipFill>
         <p:spPr>
           <a:xfrm>
-            <a:off x="980393" y="1921658"/>
-            <a:ext cx="9774014" cy="4582164"/>
+            <a:off x="2074301" y="1674008"/>
+            <a:ext cx="8040222" cy="4887007"/>
           </a:xfrm>
           <a:prstGeom prst="rect">
             <a:avLst/>
@@ -13487,8 +14497,8 @@
         </p:nvSpPr>
         <p:spPr>
           <a:xfrm>
-            <a:off x="980393" y="1350842"/>
-            <a:ext cx="2753408" cy="646331"/>
+            <a:off x="2074301" y="1304676"/>
+            <a:ext cx="2923749" cy="369332"/>
           </a:xfrm>
           <a:prstGeom prst="rect">
             <a:avLst/>
@@ -13496,23 +14506,23 @@
           <a:noFill/>
         </p:spPr>
         <p:txBody>
-          <a:bodyPr wrap="square" rtlCol="0">
+          <a:bodyPr wrap="none" rtlCol="0">
             <a:spAutoFit/>
           </a:bodyPr>
           <a:lstStyle/>
           <a:p>
             <a:r>
-              <a:rPr lang="de-DE" sz="3600" dirty="0" smtClean="0"/>
-              <a:t>Zwei User</a:t>
-            </a:r>
-            <a:endParaRPr lang="de-DE" sz="3600" dirty="0"/>
+              <a:rPr lang="de-DE" dirty="0" smtClean="0"/>
+              <a:t>500 Anfragen mit 10 Threads</a:t>
+            </a:r>
+            <a:endParaRPr lang="de-DE" dirty="0"/>
           </a:p>
         </p:txBody>
       </p:sp>
     </p:spTree>
     <p:extLst>
       <p:ext uri="{BB962C8B-B14F-4D97-AF65-F5344CB8AC3E}">
-        <p14:creationId xmlns:p14="http://schemas.microsoft.com/office/powerpoint/2010/main" val="3301592890"/>
+        <p14:creationId xmlns:p14="http://schemas.microsoft.com/office/powerpoint/2010/main" val="3516470757"/>
       </p:ext>
     </p:extLst>
   </p:cSld>
@@ -14890,11 +15900,7 @@
               <a:pPr algn="ctr"/>
               <a:r>
                 <a:rPr lang="de-DE" dirty="0" smtClean="0"/>
-                <a:t>Play </a:t>
-              </a:r>
-              <a:r>
-                <a:rPr lang="de-DE" dirty="0" smtClean="0"/>
-                <a:t>Views</a:t>
+                <a:t>Play Views</a:t>
               </a:r>
               <a:endParaRPr lang="de-DE" dirty="0"/>
             </a:p>
@@ -15022,15 +16028,7 @@
                     <a:srgbClr val="002060"/>
                   </a:solidFill>
                 </a:rPr>
-                <a:t>Game </a:t>
-              </a:r>
-              <a:r>
-                <a:rPr lang="de-DE" dirty="0" smtClean="0">
-                  <a:solidFill>
-                    <a:srgbClr val="002060"/>
-                  </a:solidFill>
-                </a:rPr>
-                <a:t>Models</a:t>
+                <a:t>Game Models</a:t>
               </a:r>
               <a:endParaRPr lang="de-DE" dirty="0">
                 <a:solidFill>
@@ -15080,15 +16078,7 @@
                     <a:srgbClr val="002060"/>
                   </a:solidFill>
                 </a:rPr>
-                <a:t>Game </a:t>
-              </a:r>
-              <a:r>
-                <a:rPr lang="de-DE" dirty="0" smtClean="0">
-                  <a:solidFill>
-                    <a:srgbClr val="002060"/>
-                  </a:solidFill>
-                </a:rPr>
-                <a:t>Controllers</a:t>
+                <a:t>Game Controllers</a:t>
               </a:r>
               <a:endParaRPr lang="de-DE" dirty="0">
                 <a:solidFill>
@@ -15391,186 +16381,6 @@
         </p:nvSpPr>
         <p:spPr>
           <a:xfrm>
-            <a:off x="1291537" y="1567099"/>
-            <a:ext cx="4304045" cy="2595468"/>
-          </a:xfrm>
-        </p:spPr>
-        <p:txBody>
-          <a:bodyPr>
-            <a:normAutofit/>
-          </a:bodyPr>
-          <a:lstStyle/>
-          <a:p>
-            <a:r>
-              <a:rPr lang="de-DE" dirty="0" smtClean="0"/>
-              <a:t>1. Datenbanken </a:t>
-            </a:r>
-          </a:p>
-          <a:p>
-            <a:pPr lvl="1"/>
-            <a:r>
-              <a:rPr lang="de-DE" dirty="0" smtClean="0"/>
-              <a:t>DB4O</a:t>
-            </a:r>
-          </a:p>
-          <a:p>
-            <a:pPr lvl="1"/>
-            <a:r>
-              <a:rPr lang="de-DE" dirty="0" err="1" smtClean="0"/>
-              <a:t>Hibernate</a:t>
-            </a:r>
-            <a:r>
-              <a:rPr lang="de-DE" dirty="0" smtClean="0"/>
-              <a:t> </a:t>
-            </a:r>
-          </a:p>
-          <a:p>
-            <a:pPr lvl="1"/>
-            <a:r>
-              <a:rPr lang="de-DE" dirty="0" err="1" smtClean="0"/>
-              <a:t>CouchDB</a:t>
-            </a:r>
-            <a:r>
-              <a:rPr lang="de-DE" dirty="0" smtClean="0"/>
-              <a:t>)</a:t>
-            </a:r>
-            <a:endParaRPr lang="de-DE" dirty="0"/>
-          </a:p>
-        </p:txBody>
-      </p:sp>
-      <p:pic>
-        <p:nvPicPr>
-          <p:cNvPr id="5" name="Grafik 4"/>
-          <p:cNvPicPr>
-            <a:picLocks noChangeAspect="1"/>
-          </p:cNvPicPr>
-          <p:nvPr/>
-        </p:nvPicPr>
-        <p:blipFill>
-          <a:blip r:embed="rId2"/>
-          <a:stretch>
-            <a:fillRect/>
-          </a:stretch>
-        </p:blipFill>
-        <p:spPr>
-          <a:xfrm>
-            <a:off x="2085885" y="4477511"/>
-            <a:ext cx="8376895" cy="1694668"/>
-          </a:xfrm>
-          <a:prstGeom prst="rect">
-            <a:avLst/>
-          </a:prstGeom>
-        </p:spPr>
-      </p:pic>
-      <p:pic>
-        <p:nvPicPr>
-          <p:cNvPr id="6" name="Grafik 5"/>
-          <p:cNvPicPr>
-            <a:picLocks noChangeAspect="1"/>
-          </p:cNvPicPr>
-          <p:nvPr/>
-        </p:nvPicPr>
-        <p:blipFill>
-          <a:blip r:embed="rId3">
-            <a:extLst>
-              <a:ext uri="{28A0092B-C50C-407E-A947-70E740481C1C}">
-                <a14:useLocalDpi xmlns:a14="http://schemas.microsoft.com/office/drawing/2010/main" val="0"/>
-              </a:ext>
-            </a:extLst>
-          </a:blip>
-          <a:stretch>
-            <a:fillRect/>
-          </a:stretch>
-        </p:blipFill>
-        <p:spPr>
-          <a:xfrm>
-            <a:off x="5745706" y="173568"/>
-            <a:ext cx="2857899" cy="4020111"/>
-          </a:xfrm>
-          <a:prstGeom prst="rect">
-            <a:avLst/>
-          </a:prstGeom>
-        </p:spPr>
-      </p:pic>
-    </p:spTree>
-    <p:extLst>
-      <p:ext uri="{BB962C8B-B14F-4D97-AF65-F5344CB8AC3E}">
-        <p14:creationId xmlns:p14="http://schemas.microsoft.com/office/powerpoint/2010/main" val="2768342690"/>
-      </p:ext>
-    </p:extLst>
-  </p:cSld>
-  <p:clrMapOvr>
-    <a:masterClrMapping/>
-  </p:clrMapOvr>
-  <p:timing>
-    <p:tnLst>
-      <p:par>
-        <p:cTn id="1" dur="indefinite" restart="never" nodeType="tmRoot"/>
-      </p:par>
-    </p:tnLst>
-  </p:timing>
-</p:sld>
-</file>
-
-<file path=ppt/slides/slide5.xml><?xml version="1.0" encoding="utf-8"?>
-<p:sld xmlns:a="http://schemas.openxmlformats.org/drawingml/2006/main" xmlns:r="http://schemas.openxmlformats.org/officeDocument/2006/relationships" xmlns:p="http://schemas.openxmlformats.org/presentationml/2006/main">
-  <p:cSld>
-    <p:spTree>
-      <p:nvGrpSpPr>
-        <p:cNvPr id="1" name=""/>
-        <p:cNvGrpSpPr/>
-        <p:nvPr/>
-      </p:nvGrpSpPr>
-      <p:grpSpPr>
-        <a:xfrm>
-          <a:off x="0" y="0"/>
-          <a:ext cx="0" cy="0"/>
-          <a:chOff x="0" y="0"/>
-          <a:chExt cx="0" cy="0"/>
-        </a:xfrm>
-      </p:grpSpPr>
-      <p:sp>
-        <p:nvSpPr>
-          <p:cNvPr id="2" name="Titel 1"/>
-          <p:cNvSpPr>
-            <a:spLocks noGrp="1"/>
-          </p:cNvSpPr>
-          <p:nvPr>
-            <p:ph type="title"/>
-          </p:nvPr>
-        </p:nvSpPr>
-        <p:spPr>
-          <a:xfrm>
-            <a:off x="1141413" y="195438"/>
-            <a:ext cx="9905998" cy="1478570"/>
-          </a:xfrm>
-        </p:spPr>
-        <p:txBody>
-          <a:bodyPr>
-            <a:normAutofit/>
-          </a:bodyPr>
-          <a:lstStyle/>
-          <a:p>
-            <a:r>
-              <a:rPr lang="de-DE" sz="4800" dirty="0" err="1" smtClean="0"/>
-              <a:t>Plugin</a:t>
-            </a:r>
-            <a:endParaRPr lang="de-DE" sz="4800" dirty="0"/>
-          </a:p>
-        </p:txBody>
-      </p:sp>
-      <p:sp>
-        <p:nvSpPr>
-          <p:cNvPr id="3" name="Inhaltsplatzhalter 2"/>
-          <p:cNvSpPr>
-            <a:spLocks noGrp="1"/>
-          </p:cNvSpPr>
-          <p:nvPr>
-            <p:ph idx="1"/>
-          </p:nvPr>
-        </p:nvSpPr>
-        <p:spPr>
-          <a:xfrm>
             <a:off x="1141412" y="1553451"/>
             <a:ext cx="6433095" cy="766668"/>
           </a:xfrm>
@@ -15580,8 +16390,16 @@
           <a:lstStyle/>
           <a:p>
             <a:r>
+              <a:rPr lang="de-DE" dirty="0"/>
+              <a:t>1</a:t>
+            </a:r>
+            <a:r>
               <a:rPr lang="de-DE" dirty="0" smtClean="0"/>
-              <a:t>2. Spielsteine</a:t>
+              <a:t>. </a:t>
+            </a:r>
+            <a:r>
+              <a:rPr lang="de-DE" dirty="0" smtClean="0"/>
+              <a:t>Spielsteine</a:t>
             </a:r>
             <a:endParaRPr lang="de-DE" dirty="0"/>
           </a:p>
@@ -15741,15 +16559,7 @@
                     <a:srgbClr val="002060"/>
                   </a:solidFill>
                 </a:rPr>
-                <a:t>Moving</a:t>
-              </a:r>
-              <a:r>
-                <a:rPr lang="de-DE" dirty="0" err="1" smtClean="0">
-                  <a:solidFill>
-                    <a:srgbClr val="002060"/>
-                  </a:solidFill>
-                </a:rPr>
-                <a:t>Brick</a:t>
+                <a:t>MovingBrick</a:t>
               </a:r>
               <a:endParaRPr lang="de-DE" dirty="0">
                 <a:solidFill>
@@ -16043,7 +16853,7 @@
           <p:nvPr/>
         </p:nvPicPr>
         <p:blipFill>
-          <a:blip r:embed="rId2"/>
+          <a:blip r:embed="rId3"/>
           <a:stretch>
             <a:fillRect/>
           </a:stretch>
@@ -16062,6 +16872,194 @@
     <p:extLst>
       <p:ext uri="{BB962C8B-B14F-4D97-AF65-F5344CB8AC3E}">
         <p14:creationId xmlns:p14="http://schemas.microsoft.com/office/powerpoint/2010/main" val="2034463126"/>
+      </p:ext>
+    </p:extLst>
+  </p:cSld>
+  <p:clrMapOvr>
+    <a:masterClrMapping/>
+  </p:clrMapOvr>
+  <p:timing>
+    <p:tnLst>
+      <p:par>
+        <p:cTn id="1" dur="indefinite" restart="never" nodeType="tmRoot"/>
+      </p:par>
+    </p:tnLst>
+  </p:timing>
+</p:sld>
+</file>
+
+<file path=ppt/slides/slide5.xml><?xml version="1.0" encoding="utf-8"?>
+<p:sld xmlns:a="http://schemas.openxmlformats.org/drawingml/2006/main" xmlns:r="http://schemas.openxmlformats.org/officeDocument/2006/relationships" xmlns:p="http://schemas.openxmlformats.org/presentationml/2006/main">
+  <p:cSld>
+    <p:spTree>
+      <p:nvGrpSpPr>
+        <p:cNvPr id="1" name=""/>
+        <p:cNvGrpSpPr/>
+        <p:nvPr/>
+      </p:nvGrpSpPr>
+      <p:grpSpPr>
+        <a:xfrm>
+          <a:off x="0" y="0"/>
+          <a:ext cx="0" cy="0"/>
+          <a:chOff x="0" y="0"/>
+          <a:chExt cx="0" cy="0"/>
+        </a:xfrm>
+      </p:grpSpPr>
+      <p:sp>
+        <p:nvSpPr>
+          <p:cNvPr id="2" name="Titel 1"/>
+          <p:cNvSpPr>
+            <a:spLocks noGrp="1"/>
+          </p:cNvSpPr>
+          <p:nvPr>
+            <p:ph type="title"/>
+          </p:nvPr>
+        </p:nvSpPr>
+        <p:spPr>
+          <a:xfrm>
+            <a:off x="1141413" y="195438"/>
+            <a:ext cx="9905998" cy="1478570"/>
+          </a:xfrm>
+        </p:spPr>
+        <p:txBody>
+          <a:bodyPr>
+            <a:normAutofit/>
+          </a:bodyPr>
+          <a:lstStyle/>
+          <a:p>
+            <a:r>
+              <a:rPr lang="de-DE" sz="4800" dirty="0" err="1" smtClean="0"/>
+              <a:t>Plugin</a:t>
+            </a:r>
+            <a:endParaRPr lang="de-DE" sz="4800" dirty="0"/>
+          </a:p>
+        </p:txBody>
+      </p:sp>
+      <p:sp>
+        <p:nvSpPr>
+          <p:cNvPr id="3" name="Inhaltsplatzhalter 2"/>
+          <p:cNvSpPr>
+            <a:spLocks noGrp="1"/>
+          </p:cNvSpPr>
+          <p:nvPr>
+            <p:ph idx="1"/>
+          </p:nvPr>
+        </p:nvSpPr>
+        <p:spPr>
+          <a:xfrm>
+            <a:off x="1291537" y="1567099"/>
+            <a:ext cx="4304045" cy="2595468"/>
+          </a:xfrm>
+        </p:spPr>
+        <p:txBody>
+          <a:bodyPr>
+            <a:normAutofit/>
+          </a:bodyPr>
+          <a:lstStyle/>
+          <a:p>
+            <a:r>
+              <a:rPr lang="de-DE" dirty="0"/>
+              <a:t>2</a:t>
+            </a:r>
+            <a:r>
+              <a:rPr lang="de-DE" dirty="0" smtClean="0"/>
+              <a:t>. </a:t>
+            </a:r>
+            <a:r>
+              <a:rPr lang="de-DE" dirty="0" smtClean="0"/>
+              <a:t>Datenbanken </a:t>
+            </a:r>
+          </a:p>
+          <a:p>
+            <a:pPr lvl="1"/>
+            <a:r>
+              <a:rPr lang="de-DE" dirty="0" smtClean="0"/>
+              <a:t>DB4O</a:t>
+            </a:r>
+          </a:p>
+          <a:p>
+            <a:pPr lvl="1"/>
+            <a:r>
+              <a:rPr lang="de-DE" dirty="0" err="1" smtClean="0"/>
+              <a:t>Hibernate</a:t>
+            </a:r>
+            <a:r>
+              <a:rPr lang="de-DE" dirty="0" smtClean="0"/>
+              <a:t> </a:t>
+            </a:r>
+          </a:p>
+          <a:p>
+            <a:pPr lvl="1"/>
+            <a:r>
+              <a:rPr lang="de-DE" dirty="0" err="1" smtClean="0"/>
+              <a:t>CouchDB</a:t>
+            </a:r>
+            <a:r>
+              <a:rPr lang="de-DE" dirty="0" smtClean="0"/>
+              <a:t>)</a:t>
+            </a:r>
+            <a:endParaRPr lang="de-DE" dirty="0"/>
+          </a:p>
+        </p:txBody>
+      </p:sp>
+      <p:pic>
+        <p:nvPicPr>
+          <p:cNvPr id="5" name="Grafik 4"/>
+          <p:cNvPicPr>
+            <a:picLocks noChangeAspect="1"/>
+          </p:cNvPicPr>
+          <p:nvPr/>
+        </p:nvPicPr>
+        <p:blipFill>
+          <a:blip r:embed="rId2"/>
+          <a:stretch>
+            <a:fillRect/>
+          </a:stretch>
+        </p:blipFill>
+        <p:spPr>
+          <a:xfrm>
+            <a:off x="2085885" y="4477511"/>
+            <a:ext cx="8376895" cy="1694668"/>
+          </a:xfrm>
+          <a:prstGeom prst="rect">
+            <a:avLst/>
+          </a:prstGeom>
+        </p:spPr>
+      </p:pic>
+      <p:pic>
+        <p:nvPicPr>
+          <p:cNvPr id="6" name="Grafik 5"/>
+          <p:cNvPicPr>
+            <a:picLocks noChangeAspect="1"/>
+          </p:cNvPicPr>
+          <p:nvPr/>
+        </p:nvPicPr>
+        <p:blipFill>
+          <a:blip r:embed="rId3">
+            <a:extLst>
+              <a:ext uri="{28A0092B-C50C-407E-A947-70E740481C1C}">
+                <a14:useLocalDpi xmlns:a14="http://schemas.microsoft.com/office/drawing/2010/main" val="0"/>
+              </a:ext>
+            </a:extLst>
+          </a:blip>
+          <a:stretch>
+            <a:fillRect/>
+          </a:stretch>
+        </p:blipFill>
+        <p:spPr>
+          <a:xfrm>
+            <a:off x="5745706" y="173568"/>
+            <a:ext cx="2857899" cy="4020111"/>
+          </a:xfrm>
+          <a:prstGeom prst="rect">
+            <a:avLst/>
+          </a:prstGeom>
+        </p:spPr>
+      </p:pic>
+    </p:spTree>
+    <p:extLst>
+      <p:ext uri="{BB962C8B-B14F-4D97-AF65-F5344CB8AC3E}">
+        <p14:creationId xmlns:p14="http://schemas.microsoft.com/office/powerpoint/2010/main" val="2768342690"/>
       </p:ext>
     </p:extLst>
   </p:cSld>
@@ -16519,6 +17517,40 @@
           </a:prstGeom>
         </p:spPr>
       </p:pic>
+      <p:sp>
+        <p:nvSpPr>
+          <p:cNvPr id="14" name="Textfeld 13"/>
+          <p:cNvSpPr txBox="1"/>
+          <p:nvPr/>
+        </p:nvSpPr>
+        <p:spPr>
+          <a:xfrm>
+            <a:off x="1141413" y="1334773"/>
+            <a:ext cx="3831598" cy="523220"/>
+          </a:xfrm>
+          <a:prstGeom prst="rect">
+            <a:avLst/>
+          </a:prstGeom>
+          <a:noFill/>
+        </p:spPr>
+        <p:txBody>
+          <a:bodyPr wrap="square" rtlCol="0">
+            <a:spAutoFit/>
+          </a:bodyPr>
+          <a:lstStyle/>
+          <a:p>
+            <a:pPr marL="457200" indent="-457200">
+              <a:buFont typeface="Arial" panose="020B0604020202020204" pitchFamily="34" charset="0"/>
+              <a:buChar char="•"/>
+            </a:pPr>
+            <a:r>
+              <a:rPr lang="de-DE" sz="2800" dirty="0" smtClean="0"/>
+              <a:t>Model </a:t>
+            </a:r>
+            <a:endParaRPr lang="de-DE" sz="2800" dirty="0"/>
+          </a:p>
+        </p:txBody>
+      </p:sp>
     </p:spTree>
     <p:extLst>
       <p:ext uri="{BB962C8B-B14F-4D97-AF65-F5344CB8AC3E}">
@@ -16634,6 +17666,40 @@
           </a:prstGeom>
         </p:spPr>
       </p:pic>
+      <p:sp>
+        <p:nvSpPr>
+          <p:cNvPr id="5" name="Textfeld 4"/>
+          <p:cNvSpPr txBox="1"/>
+          <p:nvPr/>
+        </p:nvSpPr>
+        <p:spPr>
+          <a:xfrm>
+            <a:off x="1141413" y="1334773"/>
+            <a:ext cx="3831598" cy="523220"/>
+          </a:xfrm>
+          <a:prstGeom prst="rect">
+            <a:avLst/>
+          </a:prstGeom>
+          <a:noFill/>
+        </p:spPr>
+        <p:txBody>
+          <a:bodyPr wrap="square" rtlCol="0">
+            <a:spAutoFit/>
+          </a:bodyPr>
+          <a:lstStyle/>
+          <a:p>
+            <a:pPr marL="457200" indent="-457200">
+              <a:buFont typeface="Arial" panose="020B0604020202020204" pitchFamily="34" charset="0"/>
+              <a:buChar char="•"/>
+            </a:pPr>
+            <a:r>
+              <a:rPr lang="de-DE" sz="2800" dirty="0" smtClean="0"/>
+              <a:t>Dao </a:t>
+            </a:r>
+            <a:endParaRPr lang="de-DE" sz="2800" dirty="0"/>
+          </a:p>
+        </p:txBody>
+      </p:sp>
     </p:spTree>
     <p:extLst>
       <p:ext uri="{BB962C8B-B14F-4D97-AF65-F5344CB8AC3E}">
@@ -16930,96 +17996,6 @@
           </a:p>
         </p:txBody>
       </p:sp>
-      <p:pic>
-        <p:nvPicPr>
-          <p:cNvPr id="4" name="Grafik 3"/>
-          <p:cNvPicPr>
-            <a:picLocks noChangeAspect="1"/>
-          </p:cNvPicPr>
-          <p:nvPr/>
-        </p:nvPicPr>
-        <p:blipFill>
-          <a:blip r:embed="rId2">
-            <a:extLst>
-              <a:ext uri="{28A0092B-C50C-407E-A947-70E740481C1C}">
-                <a14:useLocalDpi xmlns:a14="http://schemas.microsoft.com/office/drawing/2010/main" val="0"/>
-              </a:ext>
-            </a:extLst>
-          </a:blip>
-          <a:stretch>
-            <a:fillRect/>
-          </a:stretch>
-        </p:blipFill>
-        <p:spPr>
-          <a:xfrm>
-            <a:off x="856566" y="4045594"/>
-            <a:ext cx="9802593" cy="752580"/>
-          </a:xfrm>
-          <a:prstGeom prst="rect">
-            <a:avLst/>
-          </a:prstGeom>
-        </p:spPr>
-      </p:pic>
-      <p:pic>
-        <p:nvPicPr>
-          <p:cNvPr id="5" name="Grafik 4"/>
-          <p:cNvPicPr>
-            <a:picLocks noChangeAspect="1"/>
-          </p:cNvPicPr>
-          <p:nvPr/>
-        </p:nvPicPr>
-        <p:blipFill>
-          <a:blip r:embed="rId3">
-            <a:extLst>
-              <a:ext uri="{28A0092B-C50C-407E-A947-70E740481C1C}">
-                <a14:useLocalDpi xmlns:a14="http://schemas.microsoft.com/office/drawing/2010/main" val="0"/>
-              </a:ext>
-            </a:extLst>
-          </a:blip>
-          <a:stretch>
-            <a:fillRect/>
-          </a:stretch>
-        </p:blipFill>
-        <p:spPr>
-          <a:xfrm>
-            <a:off x="827987" y="2275005"/>
-            <a:ext cx="9793067" cy="943107"/>
-          </a:xfrm>
-          <a:prstGeom prst="rect">
-            <a:avLst/>
-          </a:prstGeom>
-        </p:spPr>
-      </p:pic>
-      <p:pic>
-        <p:nvPicPr>
-          <p:cNvPr id="6" name="Grafik 5"/>
-          <p:cNvPicPr>
-            <a:picLocks noChangeAspect="1"/>
-          </p:cNvPicPr>
-          <p:nvPr/>
-        </p:nvPicPr>
-        <p:blipFill>
-          <a:blip r:embed="rId4">
-            <a:extLst>
-              <a:ext uri="{28A0092B-C50C-407E-A947-70E740481C1C}">
-                <a14:useLocalDpi xmlns:a14="http://schemas.microsoft.com/office/drawing/2010/main" val="0"/>
-              </a:ext>
-            </a:extLst>
-          </a:blip>
-          <a:stretch>
-            <a:fillRect/>
-          </a:stretch>
-        </p:blipFill>
-        <p:spPr>
-          <a:xfrm>
-            <a:off x="856566" y="5510032"/>
-            <a:ext cx="9764488" cy="762106"/>
-          </a:xfrm>
-          <a:prstGeom prst="rect">
-            <a:avLst/>
-          </a:prstGeom>
-        </p:spPr>
-      </p:pic>
       <p:sp>
         <p:nvSpPr>
           <p:cNvPr id="7" name="Textfeld 6"/>
@@ -17110,6 +18086,96 @@
           </a:p>
         </p:txBody>
       </p:sp>
+      <p:pic>
+        <p:nvPicPr>
+          <p:cNvPr id="12" name="Grafik 11"/>
+          <p:cNvPicPr>
+            <a:picLocks noChangeAspect="1"/>
+          </p:cNvPicPr>
+          <p:nvPr/>
+        </p:nvPicPr>
+        <p:blipFill>
+          <a:blip r:embed="rId3">
+            <a:extLst>
+              <a:ext uri="{28A0092B-C50C-407E-A947-70E740481C1C}">
+                <a14:useLocalDpi xmlns:a14="http://schemas.microsoft.com/office/drawing/2010/main" val="0"/>
+              </a:ext>
+            </a:extLst>
+          </a:blip>
+          <a:stretch>
+            <a:fillRect/>
+          </a:stretch>
+        </p:blipFill>
+        <p:spPr>
+          <a:xfrm>
+            <a:off x="293686" y="3748225"/>
+            <a:ext cx="11601450" cy="1220775"/>
+          </a:xfrm>
+          <a:prstGeom prst="rect">
+            <a:avLst/>
+          </a:prstGeom>
+        </p:spPr>
+      </p:pic>
+      <p:pic>
+        <p:nvPicPr>
+          <p:cNvPr id="13" name="Grafik 12"/>
+          <p:cNvPicPr>
+            <a:picLocks noChangeAspect="1"/>
+          </p:cNvPicPr>
+          <p:nvPr/>
+        </p:nvPicPr>
+        <p:blipFill>
+          <a:blip r:embed="rId4">
+            <a:extLst>
+              <a:ext uri="{28A0092B-C50C-407E-A947-70E740481C1C}">
+                <a14:useLocalDpi xmlns:a14="http://schemas.microsoft.com/office/drawing/2010/main" val="0"/>
+              </a:ext>
+            </a:extLst>
+          </a:blip>
+          <a:stretch>
+            <a:fillRect/>
+          </a:stretch>
+        </p:blipFill>
+        <p:spPr>
+          <a:xfrm>
+            <a:off x="295275" y="2184910"/>
+            <a:ext cx="11599861" cy="802831"/>
+          </a:xfrm>
+          <a:prstGeom prst="rect">
+            <a:avLst/>
+          </a:prstGeom>
+        </p:spPr>
+      </p:pic>
+      <p:pic>
+        <p:nvPicPr>
+          <p:cNvPr id="14" name="Grafik 13"/>
+          <p:cNvPicPr>
+            <a:picLocks noChangeAspect="1"/>
+          </p:cNvPicPr>
+          <p:nvPr/>
+        </p:nvPicPr>
+        <p:blipFill>
+          <a:blip r:embed="rId5">
+            <a:extLst>
+              <a:ext uri="{28A0092B-C50C-407E-A947-70E740481C1C}">
+                <a14:useLocalDpi xmlns:a14="http://schemas.microsoft.com/office/drawing/2010/main" val="0"/>
+              </a:ext>
+            </a:extLst>
+          </a:blip>
+          <a:stretch>
+            <a:fillRect/>
+          </a:stretch>
+        </p:blipFill>
+        <p:spPr>
+          <a:xfrm>
+            <a:off x="293686" y="5393328"/>
+            <a:ext cx="11601450" cy="644996"/>
+          </a:xfrm>
+          <a:prstGeom prst="rect">
+            <a:avLst/>
+          </a:prstGeom>
+        </p:spPr>
+      </p:pic>
     </p:spTree>
     <p:extLst>
       <p:ext uri="{BB962C8B-B14F-4D97-AF65-F5344CB8AC3E}">
